--- a/宣道詩/(宣道詩90)只要相信.pptx
+++ b/宣道詩/(宣道詩90)只要相信.pptx
@@ -12,7 +12,7 @@
     <p:sldId id="260" r:id="rId6"/>
     <p:sldId id="261" r:id="rId7"/>
   </p:sldIdLst>
-  <p:sldSz cx="9144000" cy="6858000" type="screen4x3"/>
+  <p:sldSz cx="12192000" cy="6858000"/>
   <p:notesSz cx="6858000" cy="9144000"/>
   <p:defaultTextStyle>
     <a:defPPr>
@@ -109,6 +109,22 @@
       </a:defRPr>
     </a:lvl9pPr>
   </p:defaultTextStyle>
+  <p:extLst>
+    <p:ext uri="{EFAFB233-063F-42B5-8137-9DF3F51BA10A}">
+      <p15:sldGuideLst xmlns:p15="http://schemas.microsoft.com/office/powerpoint/2012/main">
+        <p15:guide id="1" orient="horz" pos="2160" userDrawn="1">
+          <p15:clr>
+            <a:srgbClr val="A4A3A4"/>
+          </p15:clr>
+        </p15:guide>
+        <p15:guide id="2" pos="3840" userDrawn="1">
+          <p15:clr>
+            <a:srgbClr val="A4A3A4"/>
+          </p15:clr>
+        </p15:guide>
+      </p15:sldGuideLst>
+    </p:ext>
+  </p:extLst>
 </p:presentation>
 </file>
 
@@ -141,8 +157,8 @@
         </p:nvSpPr>
         <p:spPr>
           <a:xfrm>
-            <a:off x="685800" y="2130425"/>
-            <a:ext cx="7772400" cy="1470025"/>
+            <a:off x="914400" y="2130426"/>
+            <a:ext cx="10363200" cy="1470025"/>
           </a:xfrm>
         </p:spPr>
         <p:txBody>
@@ -169,8 +185,8 @@
         </p:nvSpPr>
         <p:spPr>
           <a:xfrm>
-            <a:off x="1371600" y="3886200"/>
-            <a:ext cx="6400800" cy="1752600"/>
+            <a:off x="1828800" y="3886200"/>
+            <a:ext cx="8534400" cy="1752600"/>
           </a:xfrm>
         </p:spPr>
         <p:txBody>
@@ -293,7 +309,7 @@
           <a:p>
             <a:fld id="{1AAF066B-CAAA-4AF0-8CE1-A7DC182F2BD5}" type="datetimeFigureOut">
               <a:rPr lang="zh-TW" altLang="en-US" smtClean="0"/>
-              <a:t>2018/6/30</a:t>
+              <a:t>2020/12/4</a:t>
             </a:fld>
             <a:endParaRPr lang="zh-TW" altLang="en-US"/>
           </a:p>
@@ -458,7 +474,7 @@
           <a:p>
             <a:fld id="{1AAF066B-CAAA-4AF0-8CE1-A7DC182F2BD5}" type="datetimeFigureOut">
               <a:rPr lang="zh-TW" altLang="en-US" smtClean="0"/>
-              <a:t>2018/6/30</a:t>
+              <a:t>2020/12/4</a:t>
             </a:fld>
             <a:endParaRPr lang="zh-TW" altLang="en-US"/>
           </a:p>
@@ -543,8 +559,8 @@
         </p:nvSpPr>
         <p:spPr>
           <a:xfrm>
-            <a:off x="6629400" y="274638"/>
-            <a:ext cx="2057400" cy="5851525"/>
+            <a:off x="8839200" y="274639"/>
+            <a:ext cx="2743200" cy="5851525"/>
           </a:xfrm>
         </p:spPr>
         <p:txBody>
@@ -571,8 +587,8 @@
         </p:nvSpPr>
         <p:spPr>
           <a:xfrm>
-            <a:off x="457200" y="274638"/>
-            <a:ext cx="6019800" cy="5851525"/>
+            <a:off x="609600" y="274639"/>
+            <a:ext cx="8026400" cy="5851525"/>
           </a:xfrm>
         </p:spPr>
         <p:txBody>
@@ -633,7 +649,7 @@
           <a:p>
             <a:fld id="{1AAF066B-CAAA-4AF0-8CE1-A7DC182F2BD5}" type="datetimeFigureOut">
               <a:rPr lang="zh-TW" altLang="en-US" smtClean="0"/>
-              <a:t>2018/6/30</a:t>
+              <a:t>2020/12/4</a:t>
             </a:fld>
             <a:endParaRPr lang="zh-TW" altLang="en-US"/>
           </a:p>
@@ -798,7 +814,7 @@
           <a:p>
             <a:fld id="{1AAF066B-CAAA-4AF0-8CE1-A7DC182F2BD5}" type="datetimeFigureOut">
               <a:rPr lang="zh-TW" altLang="en-US" smtClean="0"/>
-              <a:t>2018/6/30</a:t>
+              <a:t>2020/12/4</a:t>
             </a:fld>
             <a:endParaRPr lang="zh-TW" altLang="en-US"/>
           </a:p>
@@ -883,8 +899,8 @@
         </p:nvSpPr>
         <p:spPr>
           <a:xfrm>
-            <a:off x="722313" y="4406900"/>
-            <a:ext cx="7772400" cy="1362075"/>
+            <a:off x="963084" y="4406901"/>
+            <a:ext cx="10363200" cy="1362075"/>
           </a:xfrm>
         </p:spPr>
         <p:txBody>
@@ -915,8 +931,8 @@
         </p:nvSpPr>
         <p:spPr>
           <a:xfrm>
-            <a:off x="722313" y="2906713"/>
-            <a:ext cx="7772400" cy="1500187"/>
+            <a:off x="963084" y="2906713"/>
+            <a:ext cx="10363200" cy="1500187"/>
           </a:xfrm>
         </p:spPr>
         <p:txBody>
@@ -1039,7 +1055,7 @@
           <a:p>
             <a:fld id="{1AAF066B-CAAA-4AF0-8CE1-A7DC182F2BD5}" type="datetimeFigureOut">
               <a:rPr lang="zh-TW" altLang="en-US" smtClean="0"/>
-              <a:t>2018/6/30</a:t>
+              <a:t>2020/12/4</a:t>
             </a:fld>
             <a:endParaRPr lang="zh-TW" altLang="en-US"/>
           </a:p>
@@ -1147,8 +1163,8 @@
         </p:nvSpPr>
         <p:spPr>
           <a:xfrm>
-            <a:off x="457200" y="1600200"/>
-            <a:ext cx="4038600" cy="4525963"/>
+            <a:off x="609600" y="1600201"/>
+            <a:ext cx="5384800" cy="4525963"/>
           </a:xfrm>
         </p:spPr>
         <p:txBody>
@@ -1232,8 +1248,8 @@
         </p:nvSpPr>
         <p:spPr>
           <a:xfrm>
-            <a:off x="4648200" y="1600200"/>
-            <a:ext cx="4038600" cy="4525963"/>
+            <a:off x="6197600" y="1600201"/>
+            <a:ext cx="5384800" cy="4525963"/>
           </a:xfrm>
         </p:spPr>
         <p:txBody>
@@ -1322,7 +1338,7 @@
           <a:p>
             <a:fld id="{1AAF066B-CAAA-4AF0-8CE1-A7DC182F2BD5}" type="datetimeFigureOut">
               <a:rPr lang="zh-TW" altLang="en-US" smtClean="0"/>
-              <a:t>2018/6/30</a:t>
+              <a:t>2020/12/4</a:t>
             </a:fld>
             <a:endParaRPr lang="zh-TW" altLang="en-US"/>
           </a:p>
@@ -1434,8 +1450,8 @@
         </p:nvSpPr>
         <p:spPr>
           <a:xfrm>
-            <a:off x="457200" y="1535113"/>
-            <a:ext cx="4040188" cy="639762"/>
+            <a:off x="609600" y="1535113"/>
+            <a:ext cx="5386917" cy="639762"/>
           </a:xfrm>
         </p:spPr>
         <p:txBody>
@@ -1499,8 +1515,8 @@
         </p:nvSpPr>
         <p:spPr>
           <a:xfrm>
-            <a:off x="457200" y="2174875"/>
-            <a:ext cx="4040188" cy="3951288"/>
+            <a:off x="609600" y="2174875"/>
+            <a:ext cx="5386917" cy="3951288"/>
           </a:xfrm>
         </p:spPr>
         <p:txBody>
@@ -1584,8 +1600,8 @@
         </p:nvSpPr>
         <p:spPr>
           <a:xfrm>
-            <a:off x="4645025" y="1535113"/>
-            <a:ext cx="4041775" cy="639762"/>
+            <a:off x="6193368" y="1535113"/>
+            <a:ext cx="5389033" cy="639762"/>
           </a:xfrm>
         </p:spPr>
         <p:txBody>
@@ -1649,8 +1665,8 @@
         </p:nvSpPr>
         <p:spPr>
           <a:xfrm>
-            <a:off x="4645025" y="2174875"/>
-            <a:ext cx="4041775" cy="3951288"/>
+            <a:off x="6193368" y="2174875"/>
+            <a:ext cx="5389033" cy="3951288"/>
           </a:xfrm>
         </p:spPr>
         <p:txBody>
@@ -1739,7 +1755,7 @@
           <a:p>
             <a:fld id="{1AAF066B-CAAA-4AF0-8CE1-A7DC182F2BD5}" type="datetimeFigureOut">
               <a:rPr lang="zh-TW" altLang="en-US" smtClean="0"/>
-              <a:t>2018/6/30</a:t>
+              <a:t>2020/12/4</a:t>
             </a:fld>
             <a:endParaRPr lang="zh-TW" altLang="en-US"/>
           </a:p>
@@ -1852,7 +1868,7 @@
           <a:p>
             <a:fld id="{1AAF066B-CAAA-4AF0-8CE1-A7DC182F2BD5}" type="datetimeFigureOut">
               <a:rPr lang="zh-TW" altLang="en-US" smtClean="0"/>
-              <a:t>2018/6/30</a:t>
+              <a:t>2020/12/4</a:t>
             </a:fld>
             <a:endParaRPr lang="zh-TW" altLang="en-US"/>
           </a:p>
@@ -1942,7 +1958,7 @@
           <a:p>
             <a:fld id="{1AAF066B-CAAA-4AF0-8CE1-A7DC182F2BD5}" type="datetimeFigureOut">
               <a:rPr lang="zh-TW" altLang="en-US" smtClean="0"/>
-              <a:t>2018/6/30</a:t>
+              <a:t>2020/12/4</a:t>
             </a:fld>
             <a:endParaRPr lang="zh-TW" altLang="en-US"/>
           </a:p>
@@ -2027,8 +2043,8 @@
         </p:nvSpPr>
         <p:spPr>
           <a:xfrm>
-            <a:off x="457200" y="273050"/>
-            <a:ext cx="3008313" cy="1162050"/>
+            <a:off x="609601" y="273050"/>
+            <a:ext cx="4011084" cy="1162050"/>
           </a:xfrm>
         </p:spPr>
         <p:txBody>
@@ -2059,8 +2075,8 @@
         </p:nvSpPr>
         <p:spPr>
           <a:xfrm>
-            <a:off x="3575050" y="273050"/>
-            <a:ext cx="5111750" cy="5853113"/>
+            <a:off x="4766733" y="273051"/>
+            <a:ext cx="6815667" cy="5853113"/>
           </a:xfrm>
         </p:spPr>
         <p:txBody>
@@ -2144,8 +2160,8 @@
         </p:nvSpPr>
         <p:spPr>
           <a:xfrm>
-            <a:off x="457200" y="1435100"/>
-            <a:ext cx="3008313" cy="4691063"/>
+            <a:off x="609601" y="1435101"/>
+            <a:ext cx="4011084" cy="4691063"/>
           </a:xfrm>
         </p:spPr>
         <p:txBody>
@@ -2214,7 +2230,7 @@
           <a:p>
             <a:fld id="{1AAF066B-CAAA-4AF0-8CE1-A7DC182F2BD5}" type="datetimeFigureOut">
               <a:rPr lang="zh-TW" altLang="en-US" smtClean="0"/>
-              <a:t>2018/6/30</a:t>
+              <a:t>2020/12/4</a:t>
             </a:fld>
             <a:endParaRPr lang="zh-TW" altLang="en-US"/>
           </a:p>
@@ -2299,8 +2315,8 @@
         </p:nvSpPr>
         <p:spPr>
           <a:xfrm>
-            <a:off x="1792288" y="4800600"/>
-            <a:ext cx="5486400" cy="566738"/>
+            <a:off x="2389717" y="4800600"/>
+            <a:ext cx="7315200" cy="566738"/>
           </a:xfrm>
         </p:spPr>
         <p:txBody>
@@ -2331,8 +2347,8 @@
         </p:nvSpPr>
         <p:spPr>
           <a:xfrm>
-            <a:off x="1792288" y="612775"/>
-            <a:ext cx="5486400" cy="4114800"/>
+            <a:off x="2389717" y="612775"/>
+            <a:ext cx="7315200" cy="4114800"/>
           </a:xfrm>
         </p:spPr>
         <p:txBody>
@@ -2396,8 +2412,8 @@
         </p:nvSpPr>
         <p:spPr>
           <a:xfrm>
-            <a:off x="1792288" y="5367338"/>
-            <a:ext cx="5486400" cy="804862"/>
+            <a:off x="2389717" y="5367338"/>
+            <a:ext cx="7315200" cy="804862"/>
           </a:xfrm>
         </p:spPr>
         <p:txBody>
@@ -2466,7 +2482,7 @@
           <a:p>
             <a:fld id="{1AAF066B-CAAA-4AF0-8CE1-A7DC182F2BD5}" type="datetimeFigureOut">
               <a:rPr lang="zh-TW" altLang="en-US" smtClean="0"/>
-              <a:t>2018/6/30</a:t>
+              <a:t>2020/12/4</a:t>
             </a:fld>
             <a:endParaRPr lang="zh-TW" altLang="en-US"/>
           </a:p>
@@ -2561,8 +2577,8 @@
         </p:nvSpPr>
         <p:spPr>
           <a:xfrm>
-            <a:off x="457200" y="274638"/>
-            <a:ext cx="8229600" cy="1143000"/>
+            <a:off x="609600" y="274638"/>
+            <a:ext cx="10972800" cy="1143000"/>
           </a:xfrm>
           <a:prstGeom prst="rect">
             <a:avLst/>
@@ -2594,8 +2610,8 @@
         </p:nvSpPr>
         <p:spPr>
           <a:xfrm>
-            <a:off x="457200" y="1600200"/>
-            <a:ext cx="8229600" cy="4525963"/>
+            <a:off x="609600" y="1600201"/>
+            <a:ext cx="10972800" cy="4525963"/>
           </a:xfrm>
           <a:prstGeom prst="rect">
             <a:avLst/>
@@ -2656,8 +2672,8 @@
         </p:nvSpPr>
         <p:spPr>
           <a:xfrm>
-            <a:off x="457200" y="6356350"/>
-            <a:ext cx="2133600" cy="365125"/>
+            <a:off x="609600" y="6356351"/>
+            <a:ext cx="2844800" cy="365125"/>
           </a:xfrm>
           <a:prstGeom prst="rect">
             <a:avLst/>
@@ -2679,7 +2695,7 @@
           <a:p>
             <a:fld id="{1AAF066B-CAAA-4AF0-8CE1-A7DC182F2BD5}" type="datetimeFigureOut">
               <a:rPr lang="zh-TW" altLang="en-US" smtClean="0"/>
-              <a:t>2018/6/30</a:t>
+              <a:t>2020/12/4</a:t>
             </a:fld>
             <a:endParaRPr lang="zh-TW" altLang="en-US"/>
           </a:p>
@@ -2697,8 +2713,8 @@
         </p:nvSpPr>
         <p:spPr>
           <a:xfrm>
-            <a:off x="3124200" y="6356350"/>
-            <a:ext cx="2895600" cy="365125"/>
+            <a:off x="4165600" y="6356351"/>
+            <a:ext cx="3860800" cy="365125"/>
           </a:xfrm>
           <a:prstGeom prst="rect">
             <a:avLst/>
@@ -2734,8 +2750,8 @@
         </p:nvSpPr>
         <p:spPr>
           <a:xfrm>
-            <a:off x="6553200" y="6356350"/>
-            <a:ext cx="2133600" cy="365125"/>
+            <a:off x="8737600" y="6356351"/>
+            <a:ext cx="2844800" cy="365125"/>
           </a:xfrm>
           <a:prstGeom prst="rect">
             <a:avLst/>
@@ -3061,11 +3077,13 @@
         </p:nvSpPr>
         <p:spPr/>
         <p:txBody>
-          <a:bodyPr/>
-          <a:lstStyle/>
-          <a:p>
-            <a:r>
-              <a:rPr lang="zh-CN" altLang="en-US" b="1" dirty="0" smtClean="0">
+          <a:bodyPr>
+            <a:normAutofit/>
+          </a:bodyPr>
+          <a:lstStyle/>
+          <a:p>
+            <a:r>
+              <a:rPr lang="zh-CN" altLang="en-US" sz="4800" b="1" dirty="0" smtClean="0">
                 <a:solidFill>
                   <a:srgbClr val="000066"/>
                 </a:solidFill>
@@ -3074,7 +3092,7 @@
               </a:rPr>
               <a:t>只要相信</a:t>
             </a:r>
-            <a:endParaRPr lang="zh-TW" altLang="en-US" b="1" dirty="0">
+            <a:endParaRPr lang="zh-TW" altLang="en-US" sz="4800" b="1" dirty="0">
               <a:solidFill>
                 <a:srgbClr val="000066"/>
               </a:solidFill>
@@ -3105,7 +3123,7 @@
               <a:buNone/>
             </a:pPr>
             <a:r>
-              <a:rPr lang="zh-CN" altLang="en-US" sz="5400" b="1" dirty="0" smtClean="0">
+              <a:rPr lang="zh-CN" altLang="en-US" sz="5400" b="1" dirty="0">
                 <a:solidFill>
                   <a:srgbClr val="000066"/>
                 </a:solidFill>
@@ -3114,7 +3132,7 @@
               </a:rPr>
               <a:t>小群不要怕  牧者已捨身</a:t>
             </a:r>
-            <a:endParaRPr lang="en-US" altLang="zh-CN" sz="5400" b="1" dirty="0" smtClean="0">
+            <a:endParaRPr lang="en-US" altLang="zh-CN" sz="5400" b="1" dirty="0">
               <a:solidFill>
                 <a:srgbClr val="000066"/>
               </a:solidFill>
@@ -3127,7 +3145,7 @@
               <a:buNone/>
             </a:pPr>
             <a:r>
-              <a:rPr lang="zh-CN" altLang="en-US" sz="5400" b="1" dirty="0" smtClean="0">
+              <a:rPr lang="zh-CN" altLang="en-US" sz="5400" b="1" dirty="0">
                 <a:solidFill>
                   <a:srgbClr val="000066"/>
                 </a:solidFill>
@@ -3136,7 +3154,7 @@
               </a:rPr>
               <a:t>曾死十架上  由墳墓復生</a:t>
             </a:r>
-            <a:endParaRPr lang="en-US" altLang="zh-CN" sz="5400" b="1" dirty="0" smtClean="0">
+            <a:endParaRPr lang="en-US" altLang="zh-CN" sz="5400" b="1" dirty="0">
               <a:solidFill>
                 <a:srgbClr val="000066"/>
               </a:solidFill>
@@ -3149,7 +3167,7 @@
               <a:buNone/>
             </a:pPr>
             <a:r>
-              <a:rPr lang="zh-CN" altLang="en-US" sz="5400" b="1" dirty="0" smtClean="0">
+              <a:rPr lang="zh-CN" altLang="en-US" sz="5400" b="1" dirty="0">
                 <a:solidFill>
                   <a:srgbClr val="000066"/>
                 </a:solidFill>
@@ -3158,7 +3176,7 @@
               </a:rPr>
               <a:t>天地諸權勢  在主手執掌</a:t>
             </a:r>
-            <a:endParaRPr lang="en-US" altLang="zh-CN" sz="5400" b="1" dirty="0" smtClean="0">
+            <a:endParaRPr lang="en-US" altLang="zh-CN" sz="5400" b="1" dirty="0">
               <a:solidFill>
                 <a:srgbClr val="000066"/>
               </a:solidFill>
@@ -3171,7 +3189,7 @@
               <a:buNone/>
             </a:pPr>
             <a:r>
-              <a:rPr lang="zh-CN" altLang="en-US" sz="5400" b="1" dirty="0" smtClean="0">
+              <a:rPr lang="zh-CN" altLang="en-US" sz="5400" b="1" dirty="0">
                 <a:solidFill>
                   <a:srgbClr val="000066"/>
                 </a:solidFill>
@@ -3186,6 +3204,44 @@
               </a:solidFill>
               <a:latin typeface="微軟正黑體" pitchFamily="34" charset="-120"/>
               <a:ea typeface="微軟正黑體" pitchFamily="34" charset="-120"/>
+            </a:endParaRPr>
+          </a:p>
+        </p:txBody>
+      </p:sp>
+      <p:sp>
+        <p:nvSpPr>
+          <p:cNvPr id="2" name="TextBox 1"/>
+          <p:cNvSpPr txBox="1"/>
+          <p:nvPr/>
+        </p:nvSpPr>
+        <p:spPr>
+          <a:xfrm>
+            <a:off x="638807" y="1700808"/>
+            <a:ext cx="1296144" cy="923330"/>
+          </a:xfrm>
+          <a:prstGeom prst="rect">
+            <a:avLst/>
+          </a:prstGeom>
+          <a:noFill/>
+        </p:spPr>
+        <p:txBody>
+          <a:bodyPr wrap="square" rtlCol="0">
+            <a:spAutoFit/>
+          </a:bodyPr>
+          <a:lstStyle/>
+          <a:p>
+            <a:r>
+              <a:rPr lang="en-US" sz="5400" b="1" dirty="0" smtClean="0">
+                <a:solidFill>
+                  <a:srgbClr val="000066"/>
+                </a:solidFill>
+              </a:rPr>
+              <a:t>1.</a:t>
+            </a:r>
+            <a:endParaRPr lang="vi-VN" sz="5400" b="1" dirty="0">
+              <a:solidFill>
+                <a:srgbClr val="000066"/>
+              </a:solidFill>
             </a:endParaRPr>
           </a:p>
         </p:txBody>
@@ -3227,11 +3283,13 @@
         </p:nvSpPr>
         <p:spPr/>
         <p:txBody>
-          <a:bodyPr/>
-          <a:lstStyle/>
-          <a:p>
-            <a:r>
-              <a:rPr lang="zh-CN" altLang="en-US" b="1" dirty="0" smtClean="0">
+          <a:bodyPr>
+            <a:normAutofit/>
+          </a:bodyPr>
+          <a:lstStyle/>
+          <a:p>
+            <a:r>
+              <a:rPr lang="zh-CN" altLang="en-US" sz="4800" b="1" dirty="0">
                 <a:solidFill>
                   <a:srgbClr val="000066"/>
                 </a:solidFill>
@@ -3240,7 +3298,7 @@
               </a:rPr>
               <a:t>只要相信</a:t>
             </a:r>
-            <a:endParaRPr lang="zh-TW" altLang="en-US" b="1" dirty="0">
+            <a:endParaRPr lang="zh-TW" altLang="en-US" sz="4800" b="1" dirty="0">
               <a:solidFill>
                 <a:srgbClr val="000066"/>
               </a:solidFill>
@@ -3271,7 +3329,7 @@
               <a:buNone/>
             </a:pPr>
             <a:r>
-              <a:rPr lang="zh-CN" altLang="en-US" sz="5400" b="1" dirty="0" smtClean="0">
+              <a:rPr lang="zh-CN" altLang="en-US" sz="5400" b="1" dirty="0">
                 <a:solidFill>
                   <a:srgbClr val="000066"/>
                 </a:solidFill>
@@ -3280,7 +3338,7 @@
               </a:rPr>
               <a:t>只要相信  只要相信</a:t>
             </a:r>
-            <a:endParaRPr lang="en-US" altLang="zh-CN" sz="5400" b="1" dirty="0" smtClean="0">
+            <a:endParaRPr lang="en-US" altLang="zh-CN" sz="5400" b="1" dirty="0">
               <a:solidFill>
                 <a:srgbClr val="000066"/>
               </a:solidFill>
@@ -3293,7 +3351,7 @@
               <a:buNone/>
             </a:pPr>
             <a:r>
-              <a:rPr lang="zh-CN" altLang="en-US" sz="5400" b="1" dirty="0" smtClean="0">
+              <a:rPr lang="zh-CN" altLang="en-US" sz="5400" b="1" dirty="0">
                 <a:solidFill>
                   <a:srgbClr val="000066"/>
                 </a:solidFill>
@@ -3302,7 +3360,7 @@
               </a:rPr>
               <a:t>凡事可能成就  只要相信</a:t>
             </a:r>
-            <a:endParaRPr lang="en-US" altLang="zh-CN" sz="5400" b="1" dirty="0" smtClean="0">
+            <a:endParaRPr lang="en-US" altLang="zh-CN" sz="5400" b="1" dirty="0">
               <a:solidFill>
                 <a:srgbClr val="000066"/>
               </a:solidFill>
@@ -3315,7 +3373,7 @@
               <a:buNone/>
             </a:pPr>
             <a:r>
-              <a:rPr lang="zh-CN" altLang="en-US" sz="5400" b="1" dirty="0" smtClean="0">
+              <a:rPr lang="zh-CN" altLang="en-US" sz="5400" b="1" dirty="0">
                 <a:solidFill>
                   <a:srgbClr val="000066"/>
                 </a:solidFill>
@@ -3324,7 +3382,7 @@
               </a:rPr>
               <a:t>只要相信  只要相信</a:t>
             </a:r>
-            <a:endParaRPr lang="en-US" altLang="zh-CN" sz="5400" b="1" dirty="0" smtClean="0">
+            <a:endParaRPr lang="en-US" altLang="zh-CN" sz="5400" b="1" dirty="0">
               <a:solidFill>
                 <a:srgbClr val="000066"/>
               </a:solidFill>
@@ -3337,26 +3395,16 @@
               <a:buNone/>
             </a:pPr>
             <a:r>
-              <a:rPr lang="zh-CN" altLang="en-US" sz="5400" b="1" dirty="0" smtClean="0">
+              <a:rPr lang="zh-CN" altLang="en-US" sz="5400" b="1" dirty="0">
                 <a:solidFill>
                   <a:srgbClr val="000066"/>
                 </a:solidFill>
                 <a:latin typeface="微軟正黑體" pitchFamily="34" charset="-120"/>
                 <a:ea typeface="微軟正黑體" pitchFamily="34" charset="-120"/>
               </a:rPr>
-              <a:t>凡事可能成就  只要</a:t>
-            </a:r>
-            <a:r>
-              <a:rPr lang="zh-CN" altLang="en-US" sz="5400" b="1" dirty="0" smtClean="0">
-                <a:solidFill>
-                  <a:srgbClr val="000066"/>
-                </a:solidFill>
-                <a:latin typeface="微軟正黑體" pitchFamily="34" charset="-120"/>
-                <a:ea typeface="微軟正黑體" pitchFamily="34" charset="-120"/>
-              </a:rPr>
-              <a:t>相信</a:t>
-            </a:r>
-            <a:endParaRPr lang="en-US" altLang="zh-CN" sz="5400" b="1" dirty="0" smtClean="0">
+              <a:t>凡事可能成就  只要相信</a:t>
+            </a:r>
+            <a:endParaRPr lang="en-US" altLang="zh-CN" sz="5400" b="1" dirty="0">
               <a:solidFill>
                 <a:srgbClr val="000066"/>
               </a:solidFill>
@@ -3403,11 +3451,13 @@
         </p:nvSpPr>
         <p:spPr/>
         <p:txBody>
-          <a:bodyPr/>
-          <a:lstStyle/>
-          <a:p>
-            <a:r>
-              <a:rPr lang="zh-CN" altLang="en-US" b="1" dirty="0" smtClean="0">
+          <a:bodyPr>
+            <a:normAutofit/>
+          </a:bodyPr>
+          <a:lstStyle/>
+          <a:p>
+            <a:r>
+              <a:rPr lang="zh-CN" altLang="en-US" sz="4800" b="1" dirty="0">
                 <a:solidFill>
                   <a:srgbClr val="000066"/>
                 </a:solidFill>
@@ -3416,7 +3466,7 @@
               </a:rPr>
               <a:t>只要相信</a:t>
             </a:r>
-            <a:endParaRPr lang="zh-TW" altLang="en-US" b="1" dirty="0">
+            <a:endParaRPr lang="zh-TW" altLang="en-US" sz="4800" b="1" dirty="0">
               <a:solidFill>
                 <a:srgbClr val="000066"/>
               </a:solidFill>
@@ -3447,7 +3497,7 @@
               <a:buNone/>
             </a:pPr>
             <a:r>
-              <a:rPr lang="zh-CN" altLang="en-US" sz="5400" b="1" dirty="0" smtClean="0">
+              <a:rPr lang="zh-CN" altLang="en-US" sz="5400" b="1" dirty="0">
                 <a:solidFill>
                   <a:srgbClr val="000066"/>
                 </a:solidFill>
@@ -3456,7 +3506,7 @@
               </a:rPr>
               <a:t>小群不要怕  隨牧者領路</a:t>
             </a:r>
-            <a:endParaRPr lang="en-US" altLang="zh-CN" sz="5400" b="1" dirty="0" smtClean="0">
+            <a:endParaRPr lang="en-US" altLang="zh-CN" sz="5400" b="1" dirty="0">
               <a:solidFill>
                 <a:srgbClr val="000066"/>
               </a:solidFill>
@@ -3469,7 +3519,7 @@
               <a:buNone/>
             </a:pPr>
             <a:r>
-              <a:rPr lang="zh-CN" altLang="en-US" sz="5400" b="1" dirty="0" smtClean="0">
+              <a:rPr lang="zh-CN" altLang="en-US" sz="5400" b="1" dirty="0">
                 <a:solidFill>
                   <a:srgbClr val="000066"/>
                 </a:solidFill>
@@ -3478,7 +3528,7 @@
               </a:rPr>
               <a:t>所走的路程  須隨主腳步</a:t>
             </a:r>
-            <a:endParaRPr lang="en-US" altLang="zh-CN" sz="5400" b="1" dirty="0" smtClean="0">
+            <a:endParaRPr lang="en-US" altLang="zh-CN" sz="5400" b="1" dirty="0">
               <a:solidFill>
                 <a:srgbClr val="000066"/>
               </a:solidFill>
@@ -3491,7 +3541,7 @@
               <a:buNone/>
             </a:pPr>
             <a:r>
-              <a:rPr lang="zh-CN" altLang="en-US" sz="5400" b="1" dirty="0" smtClean="0">
+              <a:rPr lang="zh-CN" altLang="en-US" sz="5400" b="1" dirty="0">
                 <a:solidFill>
                   <a:srgbClr val="000066"/>
                 </a:solidFill>
@@ -3500,7 +3550,7 @@
               </a:rPr>
               <a:t>生死諸苦味  主經已嘗試</a:t>
             </a:r>
-            <a:endParaRPr lang="en-US" altLang="zh-CN" sz="5400" b="1" dirty="0" smtClean="0">
+            <a:endParaRPr lang="en-US" altLang="zh-CN" sz="5400" b="1" dirty="0">
               <a:solidFill>
                 <a:srgbClr val="000066"/>
               </a:solidFill>
@@ -3513,7 +3563,7 @@
               <a:buNone/>
             </a:pPr>
             <a:r>
-              <a:rPr lang="zh-CN" altLang="en-US" sz="5400" b="1" dirty="0" smtClean="0">
+              <a:rPr lang="zh-CN" altLang="en-US" sz="5400" b="1" dirty="0">
                 <a:solidFill>
                   <a:srgbClr val="000066"/>
                 </a:solidFill>
@@ -3528,6 +3578,52 @@
               </a:solidFill>
               <a:latin typeface="微軟正黑體" pitchFamily="34" charset="-120"/>
               <a:ea typeface="微軟正黑體" pitchFamily="34" charset="-120"/>
+            </a:endParaRPr>
+          </a:p>
+        </p:txBody>
+      </p:sp>
+      <p:sp>
+        <p:nvSpPr>
+          <p:cNvPr id="6" name="TextBox 5"/>
+          <p:cNvSpPr txBox="1"/>
+          <p:nvPr/>
+        </p:nvSpPr>
+        <p:spPr>
+          <a:xfrm>
+            <a:off x="638807" y="1700808"/>
+            <a:ext cx="1296144" cy="923330"/>
+          </a:xfrm>
+          <a:prstGeom prst="rect">
+            <a:avLst/>
+          </a:prstGeom>
+          <a:noFill/>
+        </p:spPr>
+        <p:txBody>
+          <a:bodyPr wrap="square" rtlCol="0">
+            <a:spAutoFit/>
+          </a:bodyPr>
+          <a:lstStyle/>
+          <a:p>
+            <a:r>
+              <a:rPr lang="en-US" sz="5400" b="1" dirty="0">
+                <a:solidFill>
+                  <a:srgbClr val="000066"/>
+                </a:solidFill>
+              </a:rPr>
+              <a:t>2</a:t>
+            </a:r>
+            <a:r>
+              <a:rPr lang="en-US" sz="5400" b="1" dirty="0" smtClean="0">
+                <a:solidFill>
+                  <a:srgbClr val="000066"/>
+                </a:solidFill>
+              </a:rPr>
+              <a:t>.</a:t>
+            </a:r>
+            <a:endParaRPr lang="vi-VN" sz="5400" b="1" dirty="0">
+              <a:solidFill>
+                <a:srgbClr val="000066"/>
+              </a:solidFill>
             </a:endParaRPr>
           </a:p>
         </p:txBody>
@@ -3569,11 +3665,13 @@
         </p:nvSpPr>
         <p:spPr/>
         <p:txBody>
-          <a:bodyPr/>
-          <a:lstStyle/>
-          <a:p>
-            <a:r>
-              <a:rPr lang="zh-CN" altLang="en-US" b="1" dirty="0" smtClean="0">
+          <a:bodyPr>
+            <a:normAutofit/>
+          </a:bodyPr>
+          <a:lstStyle/>
+          <a:p>
+            <a:r>
+              <a:rPr lang="zh-CN" altLang="en-US" sz="4800" b="1" dirty="0">
                 <a:solidFill>
                   <a:srgbClr val="000066"/>
                 </a:solidFill>
@@ -3582,7 +3680,7 @@
               </a:rPr>
               <a:t>只要相信</a:t>
             </a:r>
-            <a:endParaRPr lang="zh-TW" altLang="en-US" b="1" dirty="0">
+            <a:endParaRPr lang="zh-TW" altLang="en-US" sz="4800" b="1" dirty="0">
               <a:solidFill>
                 <a:srgbClr val="000066"/>
               </a:solidFill>
@@ -3613,7 +3711,7 @@
               <a:buNone/>
             </a:pPr>
             <a:r>
-              <a:rPr lang="zh-CN" altLang="en-US" sz="5400" b="1" dirty="0" smtClean="0">
+              <a:rPr lang="zh-CN" altLang="en-US" sz="5400" b="1" dirty="0">
                 <a:solidFill>
                   <a:srgbClr val="000066"/>
                 </a:solidFill>
@@ -3622,7 +3720,7 @@
               </a:rPr>
               <a:t>只要相信  只要相信</a:t>
             </a:r>
-            <a:endParaRPr lang="en-US" altLang="zh-CN" sz="5400" b="1" dirty="0" smtClean="0">
+            <a:endParaRPr lang="en-US" altLang="zh-CN" sz="5400" b="1" dirty="0">
               <a:solidFill>
                 <a:srgbClr val="000066"/>
               </a:solidFill>
@@ -3635,7 +3733,7 @@
               <a:buNone/>
             </a:pPr>
             <a:r>
-              <a:rPr lang="zh-CN" altLang="en-US" sz="5400" b="1" dirty="0" smtClean="0">
+              <a:rPr lang="zh-CN" altLang="en-US" sz="5400" b="1" dirty="0">
                 <a:solidFill>
                   <a:srgbClr val="000066"/>
                 </a:solidFill>
@@ -3644,7 +3742,7 @@
               </a:rPr>
               <a:t>凡事可能成就  只要相信</a:t>
             </a:r>
-            <a:endParaRPr lang="en-US" altLang="zh-CN" sz="5400" b="1" dirty="0" smtClean="0">
+            <a:endParaRPr lang="en-US" altLang="zh-CN" sz="5400" b="1" dirty="0">
               <a:solidFill>
                 <a:srgbClr val="000066"/>
               </a:solidFill>
@@ -3657,7 +3755,7 @@
               <a:buNone/>
             </a:pPr>
             <a:r>
-              <a:rPr lang="zh-CN" altLang="en-US" sz="5400" b="1" dirty="0" smtClean="0">
+              <a:rPr lang="zh-CN" altLang="en-US" sz="5400" b="1" dirty="0">
                 <a:solidFill>
                   <a:srgbClr val="000066"/>
                 </a:solidFill>
@@ -3666,7 +3764,7 @@
               </a:rPr>
               <a:t>只要相信  只要相信</a:t>
             </a:r>
-            <a:endParaRPr lang="en-US" altLang="zh-CN" sz="5400" b="1" dirty="0" smtClean="0">
+            <a:endParaRPr lang="en-US" altLang="zh-CN" sz="5400" b="1" dirty="0">
               <a:solidFill>
                 <a:srgbClr val="000066"/>
               </a:solidFill>
@@ -3679,26 +3777,16 @@
               <a:buNone/>
             </a:pPr>
             <a:r>
-              <a:rPr lang="zh-CN" altLang="en-US" sz="5400" b="1" dirty="0" smtClean="0">
+              <a:rPr lang="zh-CN" altLang="en-US" sz="5400" b="1" dirty="0">
                 <a:solidFill>
                   <a:srgbClr val="000066"/>
                 </a:solidFill>
                 <a:latin typeface="微軟正黑體" pitchFamily="34" charset="-120"/>
                 <a:ea typeface="微軟正黑體" pitchFamily="34" charset="-120"/>
               </a:rPr>
-              <a:t>凡事可能成就  只要</a:t>
-            </a:r>
-            <a:r>
-              <a:rPr lang="zh-CN" altLang="en-US" sz="5400" b="1" dirty="0" smtClean="0">
-                <a:solidFill>
-                  <a:srgbClr val="000066"/>
-                </a:solidFill>
-                <a:latin typeface="微軟正黑體" pitchFamily="34" charset="-120"/>
-                <a:ea typeface="微軟正黑體" pitchFamily="34" charset="-120"/>
-              </a:rPr>
-              <a:t>相信</a:t>
-            </a:r>
-            <a:endParaRPr lang="en-US" altLang="zh-CN" sz="5400" b="1" dirty="0" smtClean="0">
+              <a:t>凡事可能成就  只要相信</a:t>
+            </a:r>
+            <a:endParaRPr lang="en-US" altLang="zh-CN" sz="5400" b="1" dirty="0">
               <a:solidFill>
                 <a:srgbClr val="000066"/>
               </a:solidFill>
@@ -3745,11 +3833,13 @@
         </p:nvSpPr>
         <p:spPr/>
         <p:txBody>
-          <a:bodyPr/>
-          <a:lstStyle/>
-          <a:p>
-            <a:r>
-              <a:rPr lang="zh-CN" altLang="en-US" b="1" dirty="0" smtClean="0">
+          <a:bodyPr>
+            <a:normAutofit/>
+          </a:bodyPr>
+          <a:lstStyle/>
+          <a:p>
+            <a:r>
+              <a:rPr lang="zh-CN" altLang="en-US" sz="4800" b="1" dirty="0">
                 <a:solidFill>
                   <a:srgbClr val="000066"/>
                 </a:solidFill>
@@ -3758,7 +3848,7 @@
               </a:rPr>
               <a:t>只要相信</a:t>
             </a:r>
-            <a:endParaRPr lang="zh-TW" altLang="en-US" b="1" dirty="0">
+            <a:endParaRPr lang="zh-TW" altLang="en-US" sz="4800" b="1" dirty="0">
               <a:solidFill>
                 <a:srgbClr val="000066"/>
               </a:solidFill>
@@ -3789,7 +3879,7 @@
               <a:buNone/>
             </a:pPr>
             <a:r>
-              <a:rPr lang="zh-CN" altLang="en-US" sz="5400" b="1" dirty="0" smtClean="0">
+              <a:rPr lang="zh-CN" altLang="en-US" sz="5400" b="1" dirty="0">
                 <a:solidFill>
                   <a:srgbClr val="000066"/>
                 </a:solidFill>
@@ -3798,7 +3888,7 @@
               </a:rPr>
               <a:t>小群不要怕  牧者皆深知</a:t>
             </a:r>
-            <a:endParaRPr lang="en-US" altLang="zh-CN" sz="5400" b="1" dirty="0" smtClean="0">
+            <a:endParaRPr lang="en-US" altLang="zh-CN" sz="5400" b="1" dirty="0">
               <a:solidFill>
                 <a:srgbClr val="000066"/>
               </a:solidFill>
@@ -3811,7 +3901,7 @@
               <a:buNone/>
             </a:pPr>
             <a:r>
-              <a:rPr lang="zh-CN" altLang="en-US" sz="5400" b="1" dirty="0" smtClean="0">
+              <a:rPr lang="zh-CN" altLang="en-US" sz="5400" b="1" dirty="0">
                 <a:solidFill>
                   <a:srgbClr val="000066"/>
                 </a:solidFill>
@@ -3820,7 +3910,7 @@
               </a:rPr>
               <a:t>路程或平安  愁苦或貧寒</a:t>
             </a:r>
-            <a:endParaRPr lang="en-US" altLang="zh-CN" sz="5400" b="1" dirty="0" smtClean="0">
+            <a:endParaRPr lang="en-US" altLang="zh-CN" sz="5400" b="1" dirty="0">
               <a:solidFill>
                 <a:srgbClr val="000066"/>
               </a:solidFill>
@@ -3833,7 +3923,7 @@
               <a:buNone/>
             </a:pPr>
             <a:r>
-              <a:rPr lang="zh-CN" altLang="en-US" sz="5400" b="1" dirty="0" smtClean="0">
+              <a:rPr lang="zh-CN" altLang="en-US" sz="5400" b="1" dirty="0">
                 <a:solidFill>
                   <a:srgbClr val="000066"/>
                 </a:solidFill>
@@ -3842,7 +3932,7 @@
               </a:rPr>
               <a:t>永遠不離開  永相皆相安</a:t>
             </a:r>
-            <a:endParaRPr lang="en-US" altLang="zh-CN" sz="5400" b="1" dirty="0" smtClean="0">
+            <a:endParaRPr lang="en-US" altLang="zh-CN" sz="5400" b="1" dirty="0">
               <a:solidFill>
                 <a:srgbClr val="000066"/>
               </a:solidFill>
@@ -3855,7 +3945,7 @@
               <a:buNone/>
             </a:pPr>
             <a:r>
-              <a:rPr lang="zh-CN" altLang="en-US" sz="5400" b="1" dirty="0" smtClean="0">
+              <a:rPr lang="zh-CN" altLang="en-US" sz="5400" b="1" dirty="0">
                 <a:solidFill>
                   <a:srgbClr val="000066"/>
                 </a:solidFill>
@@ -3870,6 +3960,44 @@
               </a:solidFill>
               <a:latin typeface="微軟正黑體" pitchFamily="34" charset="-120"/>
               <a:ea typeface="微軟正黑體" pitchFamily="34" charset="-120"/>
+            </a:endParaRPr>
+          </a:p>
+        </p:txBody>
+      </p:sp>
+      <p:sp>
+        <p:nvSpPr>
+          <p:cNvPr id="6" name="TextBox 5"/>
+          <p:cNvSpPr txBox="1"/>
+          <p:nvPr/>
+        </p:nvSpPr>
+        <p:spPr>
+          <a:xfrm>
+            <a:off x="638807" y="1700808"/>
+            <a:ext cx="1296144" cy="923330"/>
+          </a:xfrm>
+          <a:prstGeom prst="rect">
+            <a:avLst/>
+          </a:prstGeom>
+          <a:noFill/>
+        </p:spPr>
+        <p:txBody>
+          <a:bodyPr wrap="square" rtlCol="0">
+            <a:spAutoFit/>
+          </a:bodyPr>
+          <a:lstStyle/>
+          <a:p>
+            <a:r>
+              <a:rPr lang="en-US" sz="5400" b="1" dirty="0" smtClean="0">
+                <a:solidFill>
+                  <a:srgbClr val="000066"/>
+                </a:solidFill>
+              </a:rPr>
+              <a:t>3.</a:t>
+            </a:r>
+            <a:endParaRPr lang="vi-VN" sz="5400" b="1" dirty="0">
+              <a:solidFill>
+                <a:srgbClr val="000066"/>
+              </a:solidFill>
             </a:endParaRPr>
           </a:p>
         </p:txBody>
@@ -3911,11 +4039,13 @@
         </p:nvSpPr>
         <p:spPr/>
         <p:txBody>
-          <a:bodyPr/>
-          <a:lstStyle/>
-          <a:p>
-            <a:r>
-              <a:rPr lang="zh-CN" altLang="en-US" b="1" dirty="0" smtClean="0">
+          <a:bodyPr>
+            <a:normAutofit/>
+          </a:bodyPr>
+          <a:lstStyle/>
+          <a:p>
+            <a:r>
+              <a:rPr lang="zh-CN" altLang="en-US" sz="4800" b="1" dirty="0">
                 <a:solidFill>
                   <a:srgbClr val="000066"/>
                 </a:solidFill>
@@ -3924,7 +4054,7 @@
               </a:rPr>
               <a:t>只要相信</a:t>
             </a:r>
-            <a:endParaRPr lang="zh-TW" altLang="en-US" b="1" dirty="0">
+            <a:endParaRPr lang="zh-TW" altLang="en-US" sz="4800" b="1" dirty="0">
               <a:solidFill>
                 <a:srgbClr val="000066"/>
               </a:solidFill>
@@ -3955,7 +4085,7 @@
               <a:buNone/>
             </a:pPr>
             <a:r>
-              <a:rPr lang="zh-CN" altLang="en-US" sz="5400" b="1" dirty="0" smtClean="0">
+              <a:rPr lang="zh-CN" altLang="en-US" sz="5400" b="1" dirty="0">
                 <a:solidFill>
                   <a:srgbClr val="000066"/>
                 </a:solidFill>
@@ -3964,7 +4094,7 @@
               </a:rPr>
               <a:t>只要相信  只要相信</a:t>
             </a:r>
-            <a:endParaRPr lang="en-US" altLang="zh-CN" sz="5400" b="1" dirty="0" smtClean="0">
+            <a:endParaRPr lang="en-US" altLang="zh-CN" sz="5400" b="1" dirty="0">
               <a:solidFill>
                 <a:srgbClr val="000066"/>
               </a:solidFill>
@@ -3977,7 +4107,7 @@
               <a:buNone/>
             </a:pPr>
             <a:r>
-              <a:rPr lang="zh-CN" altLang="en-US" sz="5400" b="1" dirty="0" smtClean="0">
+              <a:rPr lang="zh-CN" altLang="en-US" sz="5400" b="1" dirty="0">
                 <a:solidFill>
                   <a:srgbClr val="000066"/>
                 </a:solidFill>
@@ -3986,7 +4116,7 @@
               </a:rPr>
               <a:t>凡事可能成就  只要相信</a:t>
             </a:r>
-            <a:endParaRPr lang="en-US" altLang="zh-CN" sz="5400" b="1" dirty="0" smtClean="0">
+            <a:endParaRPr lang="en-US" altLang="zh-CN" sz="5400" b="1" dirty="0">
               <a:solidFill>
                 <a:srgbClr val="000066"/>
               </a:solidFill>
@@ -3999,7 +4129,7 @@
               <a:buNone/>
             </a:pPr>
             <a:r>
-              <a:rPr lang="zh-CN" altLang="en-US" sz="5400" b="1" dirty="0" smtClean="0">
+              <a:rPr lang="zh-CN" altLang="en-US" sz="5400" b="1" dirty="0">
                 <a:solidFill>
                   <a:srgbClr val="000066"/>
                 </a:solidFill>
@@ -4008,7 +4138,7 @@
               </a:rPr>
               <a:t>只要相信  只要相信</a:t>
             </a:r>
-            <a:endParaRPr lang="en-US" altLang="zh-CN" sz="5400" b="1" dirty="0" smtClean="0">
+            <a:endParaRPr lang="en-US" altLang="zh-CN" sz="5400" b="1" dirty="0">
               <a:solidFill>
                 <a:srgbClr val="000066"/>
               </a:solidFill>
@@ -4021,26 +4151,16 @@
               <a:buNone/>
             </a:pPr>
             <a:r>
-              <a:rPr lang="zh-CN" altLang="en-US" sz="5400" b="1" dirty="0" smtClean="0">
+              <a:rPr lang="zh-CN" altLang="en-US" sz="5400" b="1" dirty="0">
                 <a:solidFill>
                   <a:srgbClr val="000066"/>
                 </a:solidFill>
                 <a:latin typeface="微軟正黑體" pitchFamily="34" charset="-120"/>
                 <a:ea typeface="微軟正黑體" pitchFamily="34" charset="-120"/>
               </a:rPr>
-              <a:t>凡事可能成就  只要</a:t>
-            </a:r>
-            <a:r>
-              <a:rPr lang="zh-CN" altLang="en-US" sz="5400" b="1" dirty="0" smtClean="0">
-                <a:solidFill>
-                  <a:srgbClr val="000066"/>
-                </a:solidFill>
-                <a:latin typeface="微軟正黑體" pitchFamily="34" charset="-120"/>
-                <a:ea typeface="微軟正黑體" pitchFamily="34" charset="-120"/>
-              </a:rPr>
-              <a:t>相信</a:t>
-            </a:r>
-            <a:endParaRPr lang="en-US" altLang="zh-CN" sz="5400" b="1" dirty="0" smtClean="0">
+              <a:t>凡事可能成就  只要相信</a:t>
+            </a:r>
+            <a:endParaRPr lang="en-US" altLang="zh-CN" sz="5400" b="1" dirty="0">
               <a:solidFill>
                 <a:srgbClr val="000066"/>
               </a:solidFill>

--- a/宣道詩/(宣道詩90)只要相信.pptx
+++ b/宣道詩/(宣道詩90)只要相信.pptx
@@ -5,12 +5,16 @@
     <p:sldMasterId id="2147483660" r:id="rId1"/>
   </p:sldMasterIdLst>
   <p:sldIdLst>
-    <p:sldId id="256" r:id="rId2"/>
-    <p:sldId id="257" r:id="rId3"/>
-    <p:sldId id="258" r:id="rId4"/>
-    <p:sldId id="259" r:id="rId5"/>
-    <p:sldId id="260" r:id="rId6"/>
-    <p:sldId id="261" r:id="rId7"/>
+    <p:sldId id="262" r:id="rId2"/>
+    <p:sldId id="263" r:id="rId3"/>
+    <p:sldId id="264" r:id="rId4"/>
+    <p:sldId id="265" r:id="rId5"/>
+    <p:sldId id="266" r:id="rId6"/>
+    <p:sldId id="267" r:id="rId7"/>
+    <p:sldId id="268" r:id="rId8"/>
+    <p:sldId id="269" r:id="rId9"/>
+    <p:sldId id="270" r:id="rId10"/>
+    <p:sldId id="271" r:id="rId11"/>
   </p:sldIdLst>
   <p:sldSz cx="12192000" cy="6858000"/>
   <p:notesSz cx="6858000" cy="9144000"/>
@@ -309,7 +313,7 @@
           <a:p>
             <a:fld id="{1AAF066B-CAAA-4AF0-8CE1-A7DC182F2BD5}" type="datetimeFigureOut">
               <a:rPr lang="zh-TW" altLang="en-US" smtClean="0"/>
-              <a:t>2020/12/4</a:t>
+              <a:t>2021/6/22</a:t>
             </a:fld>
             <a:endParaRPr lang="zh-TW" altLang="en-US"/>
           </a:p>
@@ -474,7 +478,7 @@
           <a:p>
             <a:fld id="{1AAF066B-CAAA-4AF0-8CE1-A7DC182F2BD5}" type="datetimeFigureOut">
               <a:rPr lang="zh-TW" altLang="en-US" smtClean="0"/>
-              <a:t>2020/12/4</a:t>
+              <a:t>2021/6/22</a:t>
             </a:fld>
             <a:endParaRPr lang="zh-TW" altLang="en-US"/>
           </a:p>
@@ -649,7 +653,7 @@
           <a:p>
             <a:fld id="{1AAF066B-CAAA-4AF0-8CE1-A7DC182F2BD5}" type="datetimeFigureOut">
               <a:rPr lang="zh-TW" altLang="en-US" smtClean="0"/>
-              <a:t>2020/12/4</a:t>
+              <a:t>2021/6/22</a:t>
             </a:fld>
             <a:endParaRPr lang="zh-TW" altLang="en-US"/>
           </a:p>
@@ -814,7 +818,7 @@
           <a:p>
             <a:fld id="{1AAF066B-CAAA-4AF0-8CE1-A7DC182F2BD5}" type="datetimeFigureOut">
               <a:rPr lang="zh-TW" altLang="en-US" smtClean="0"/>
-              <a:t>2020/12/4</a:t>
+              <a:t>2021/6/22</a:t>
             </a:fld>
             <a:endParaRPr lang="zh-TW" altLang="en-US"/>
           </a:p>
@@ -1055,7 +1059,7 @@
           <a:p>
             <a:fld id="{1AAF066B-CAAA-4AF0-8CE1-A7DC182F2BD5}" type="datetimeFigureOut">
               <a:rPr lang="zh-TW" altLang="en-US" smtClean="0"/>
-              <a:t>2020/12/4</a:t>
+              <a:t>2021/6/22</a:t>
             </a:fld>
             <a:endParaRPr lang="zh-TW" altLang="en-US"/>
           </a:p>
@@ -1338,7 +1342,7 @@
           <a:p>
             <a:fld id="{1AAF066B-CAAA-4AF0-8CE1-A7DC182F2BD5}" type="datetimeFigureOut">
               <a:rPr lang="zh-TW" altLang="en-US" smtClean="0"/>
-              <a:t>2020/12/4</a:t>
+              <a:t>2021/6/22</a:t>
             </a:fld>
             <a:endParaRPr lang="zh-TW" altLang="en-US"/>
           </a:p>
@@ -1755,7 +1759,7 @@
           <a:p>
             <a:fld id="{1AAF066B-CAAA-4AF0-8CE1-A7DC182F2BD5}" type="datetimeFigureOut">
               <a:rPr lang="zh-TW" altLang="en-US" smtClean="0"/>
-              <a:t>2020/12/4</a:t>
+              <a:t>2021/6/22</a:t>
             </a:fld>
             <a:endParaRPr lang="zh-TW" altLang="en-US"/>
           </a:p>
@@ -1868,7 +1872,7 @@
           <a:p>
             <a:fld id="{1AAF066B-CAAA-4AF0-8CE1-A7DC182F2BD5}" type="datetimeFigureOut">
               <a:rPr lang="zh-TW" altLang="en-US" smtClean="0"/>
-              <a:t>2020/12/4</a:t>
+              <a:t>2021/6/22</a:t>
             </a:fld>
             <a:endParaRPr lang="zh-TW" altLang="en-US"/>
           </a:p>
@@ -1958,7 +1962,7 @@
           <a:p>
             <a:fld id="{1AAF066B-CAAA-4AF0-8CE1-A7DC182F2BD5}" type="datetimeFigureOut">
               <a:rPr lang="zh-TW" altLang="en-US" smtClean="0"/>
-              <a:t>2020/12/4</a:t>
+              <a:t>2021/6/22</a:t>
             </a:fld>
             <a:endParaRPr lang="zh-TW" altLang="en-US"/>
           </a:p>
@@ -2230,7 +2234,7 @@
           <a:p>
             <a:fld id="{1AAF066B-CAAA-4AF0-8CE1-A7DC182F2BD5}" type="datetimeFigureOut">
               <a:rPr lang="zh-TW" altLang="en-US" smtClean="0"/>
-              <a:t>2020/12/4</a:t>
+              <a:t>2021/6/22</a:t>
             </a:fld>
             <a:endParaRPr lang="zh-TW" altLang="en-US"/>
           </a:p>
@@ -2482,7 +2486,7 @@
           <a:p>
             <a:fld id="{1AAF066B-CAAA-4AF0-8CE1-A7DC182F2BD5}" type="datetimeFigureOut">
               <a:rPr lang="zh-TW" altLang="en-US" smtClean="0"/>
-              <a:t>2020/12/4</a:t>
+              <a:t>2021/6/22</a:t>
             </a:fld>
             <a:endParaRPr lang="zh-TW" altLang="en-US"/>
           </a:p>
@@ -2695,7 +2699,7 @@
           <a:p>
             <a:fld id="{1AAF066B-CAAA-4AF0-8CE1-A7DC182F2BD5}" type="datetimeFigureOut">
               <a:rPr lang="zh-TW" altLang="en-US" smtClean="0"/>
-              <a:t>2020/12/4</a:t>
+              <a:t>2021/6/22</a:t>
             </a:fld>
             <a:endParaRPr lang="zh-TW" altLang="en-US"/>
           </a:p>
@@ -3075,24 +3079,209 @@
             <p:ph type="title"/>
           </p:nvPr>
         </p:nvSpPr>
-        <p:spPr/>
+        <p:spPr>
+          <a:xfrm>
+            <a:off x="0" y="2564904"/>
+            <a:ext cx="12192000" cy="1143000"/>
+          </a:xfrm>
+        </p:spPr>
         <p:txBody>
           <a:bodyPr>
+            <a:noAutofit/>
+          </a:bodyPr>
+          <a:lstStyle/>
+          <a:p>
+            <a:r>
+              <a:rPr lang="zh-CN" altLang="en-US" sz="5333" b="1" u="sng" dirty="0">
+                <a:solidFill>
+                  <a:srgbClr val="660033"/>
+                </a:solidFill>
+                <a:effectLst>
+                  <a:outerShdw blurRad="38100" dist="38100" dir="2700000" algn="tl">
+                    <a:srgbClr val="000000">
+                      <a:alpha val="43137"/>
+                    </a:srgbClr>
+                  </a:outerShdw>
+                </a:effectLst>
+                <a:latin typeface="微軟正黑體" pitchFamily="34" charset="-120"/>
+                <a:ea typeface="微軟正黑體" pitchFamily="34" charset="-120"/>
+              </a:rPr>
+              <a:t>宣道詩 </a:t>
+            </a:r>
+            <a:r>
+              <a:rPr lang="en-US" altLang="zh-CN" sz="5333" b="1" u="sng" dirty="0" smtClean="0">
+                <a:solidFill>
+                  <a:srgbClr val="660033"/>
+                </a:solidFill>
+                <a:effectLst>
+                  <a:outerShdw blurRad="38100" dist="38100" dir="2700000" algn="tl">
+                    <a:srgbClr val="000000">
+                      <a:alpha val="43137"/>
+                    </a:srgbClr>
+                  </a:outerShdw>
+                </a:effectLst>
+                <a:latin typeface="微軟正黑體" pitchFamily="34" charset="-120"/>
+                <a:ea typeface="微軟正黑體" pitchFamily="34" charset="-120"/>
+              </a:rPr>
+              <a:t>90</a:t>
+            </a:r>
+            <a:r>
+              <a:rPr lang="en-US" altLang="zh-CN" sz="7200" b="1" i="1" dirty="0">
+                <a:solidFill>
+                  <a:srgbClr val="660033"/>
+                </a:solidFill>
+                <a:effectLst>
+                  <a:outerShdw blurRad="38100" dist="38100" dir="2700000" algn="tl">
+                    <a:srgbClr val="000000">
+                      <a:alpha val="43137"/>
+                    </a:srgbClr>
+                  </a:outerShdw>
+                </a:effectLst>
+                <a:latin typeface="微軟正黑體" pitchFamily="34" charset="-120"/>
+                <a:ea typeface="微軟正黑體" pitchFamily="34" charset="-120"/>
+              </a:rPr>
+              <a:t/>
+            </a:r>
+            <a:br>
+              <a:rPr lang="en-US" altLang="zh-CN" sz="7200" b="1" i="1" dirty="0">
+                <a:solidFill>
+                  <a:srgbClr val="660033"/>
+                </a:solidFill>
+                <a:effectLst>
+                  <a:outerShdw blurRad="38100" dist="38100" dir="2700000" algn="tl">
+                    <a:srgbClr val="000000">
+                      <a:alpha val="43137"/>
+                    </a:srgbClr>
+                  </a:outerShdw>
+                </a:effectLst>
+                <a:latin typeface="微軟正黑體" pitchFamily="34" charset="-120"/>
+                <a:ea typeface="微軟正黑體" pitchFamily="34" charset="-120"/>
+              </a:rPr>
+            </a:br>
+            <a:r>
+              <a:rPr lang="zh-CN" altLang="en-US" sz="8000" b="1" dirty="0" smtClean="0">
+                <a:solidFill>
+                  <a:srgbClr val="000066"/>
+                </a:solidFill>
+                <a:effectLst>
+                  <a:outerShdw blurRad="38100" dist="38100" dir="2700000" algn="tl">
+                    <a:srgbClr val="000000">
+                      <a:alpha val="43137"/>
+                    </a:srgbClr>
+                  </a:outerShdw>
+                </a:effectLst>
+                <a:latin typeface="微軟正黑體" pitchFamily="34" charset="-120"/>
+                <a:ea typeface="微軟正黑體" pitchFamily="34" charset="-120"/>
+              </a:rPr>
+              <a:t>只</a:t>
+            </a:r>
+            <a:r>
+              <a:rPr lang="zh-CN" altLang="en-US" sz="8000" b="1" dirty="0">
+                <a:solidFill>
+                  <a:srgbClr val="000066"/>
+                </a:solidFill>
+                <a:effectLst>
+                  <a:outerShdw blurRad="38100" dist="38100" dir="2700000" algn="tl">
+                    <a:srgbClr val="000000">
+                      <a:alpha val="43137"/>
+                    </a:srgbClr>
+                  </a:outerShdw>
+                </a:effectLst>
+                <a:latin typeface="微軟正黑體" pitchFamily="34" charset="-120"/>
+                <a:ea typeface="微軟正黑體" pitchFamily="34" charset="-120"/>
+              </a:rPr>
+              <a:t>要相信</a:t>
+            </a:r>
+            <a:endParaRPr lang="zh-TW" altLang="en-US" sz="8000" b="1" dirty="0">
+              <a:solidFill>
+                <a:srgbClr val="000066"/>
+              </a:solidFill>
+              <a:effectLst>
+                <a:outerShdw blurRad="38100" dist="38100" dir="2700000" algn="tl">
+                  <a:srgbClr val="000000">
+                    <a:alpha val="43137"/>
+                  </a:srgbClr>
+                </a:outerShdw>
+              </a:effectLst>
+              <a:latin typeface="微軟正黑體" pitchFamily="34" charset="-120"/>
+              <a:ea typeface="微軟正黑體" pitchFamily="34" charset="-120"/>
+            </a:endParaRPr>
+          </a:p>
+        </p:txBody>
+      </p:sp>
+    </p:spTree>
+    <p:extLst>
+      <p:ext uri="{BB962C8B-B14F-4D97-AF65-F5344CB8AC3E}">
+        <p14:creationId xmlns:p14="http://schemas.microsoft.com/office/powerpoint/2010/main" val="3498577922"/>
+      </p:ext>
+    </p:extLst>
+  </p:cSld>
+  <p:clrMapOvr>
+    <a:masterClrMapping/>
+  </p:clrMapOvr>
+  <p:timing>
+    <p:tnLst>
+      <p:par>
+        <p:cTn id="1" dur="indefinite" restart="never" nodeType="tmRoot"/>
+      </p:par>
+    </p:tnLst>
+  </p:timing>
+</p:sld>
+</file>
+
+<file path=ppt/slides/slide10.xml><?xml version="1.0" encoding="utf-8"?>
+<p:sld xmlns:a="http://schemas.openxmlformats.org/drawingml/2006/main" xmlns:r="http://schemas.openxmlformats.org/officeDocument/2006/relationships" xmlns:p="http://schemas.openxmlformats.org/presentationml/2006/main">
+  <p:cSld>
+    <p:spTree>
+      <p:nvGrpSpPr>
+        <p:cNvPr id="1" name=""/>
+        <p:cNvGrpSpPr/>
+        <p:nvPr/>
+      </p:nvGrpSpPr>
+      <p:grpSpPr>
+        <a:xfrm>
+          <a:off x="0" y="0"/>
+          <a:ext cx="0" cy="0"/>
+          <a:chOff x="0" y="0"/>
+          <a:chExt cx="0" cy="0"/>
+        </a:xfrm>
+      </p:grpSpPr>
+      <p:sp>
+        <p:nvSpPr>
+          <p:cNvPr id="5" name="內容版面配置區 4"/>
+          <p:cNvSpPr>
+            <a:spLocks noGrp="1"/>
+          </p:cNvSpPr>
+          <p:nvPr>
+            <p:ph idx="1"/>
+          </p:nvPr>
+        </p:nvSpPr>
+        <p:spPr>
+          <a:xfrm>
+            <a:off x="0" y="2084851"/>
+            <a:ext cx="12192000" cy="2404863"/>
+          </a:xfrm>
+        </p:spPr>
+        <p:txBody>
+          <a:bodyPr anchor="ctr">
             <a:normAutofit/>
           </a:bodyPr>
           <a:lstStyle/>
           <a:p>
-            <a:r>
-              <a:rPr lang="zh-CN" altLang="en-US" sz="4800" b="1" dirty="0" smtClean="0">
+            <a:pPr algn="ctr">
+              <a:buNone/>
+            </a:pPr>
+            <a:r>
+              <a:rPr lang="zh-CN" altLang="en-US" sz="6400" b="1" dirty="0">
                 <a:solidFill>
                   <a:srgbClr val="000066"/>
                 </a:solidFill>
                 <a:latin typeface="微軟正黑體" pitchFamily="34" charset="-120"/>
                 <a:ea typeface="微軟正黑體" pitchFamily="34" charset="-120"/>
               </a:rPr>
-              <a:t>只要相信</a:t>
-            </a:r>
-            <a:endParaRPr lang="zh-TW" altLang="en-US" sz="4800" b="1" dirty="0">
+              <a:t>只要相信  只要相信</a:t>
+            </a:r>
+            <a:endParaRPr lang="en-US" altLang="zh-CN" sz="6400" b="1" dirty="0">
               <a:solidFill>
                 <a:srgbClr val="000066"/>
               </a:solidFill>
@@ -3100,39 +3289,21 @@
               <a:ea typeface="微軟正黑體" pitchFamily="34" charset="-120"/>
             </a:endParaRPr>
           </a:p>
-        </p:txBody>
-      </p:sp>
-      <p:sp>
-        <p:nvSpPr>
-          <p:cNvPr id="5" name="內容版面配置區 4"/>
-          <p:cNvSpPr>
-            <a:spLocks noGrp="1"/>
-          </p:cNvSpPr>
-          <p:nvPr>
-            <p:ph idx="1"/>
-          </p:nvPr>
-        </p:nvSpPr>
-        <p:spPr/>
-        <p:txBody>
-          <a:bodyPr>
-            <a:noAutofit/>
-          </a:bodyPr>
-          <a:lstStyle/>
           <a:p>
             <a:pPr algn="ctr">
               <a:buNone/>
             </a:pPr>
             <a:r>
-              <a:rPr lang="zh-CN" altLang="en-US" sz="5400" b="1" dirty="0">
+              <a:rPr lang="zh-CN" altLang="en-US" sz="6400" b="1" dirty="0">
                 <a:solidFill>
                   <a:srgbClr val="000066"/>
                 </a:solidFill>
                 <a:latin typeface="微軟正黑體" pitchFamily="34" charset="-120"/>
                 <a:ea typeface="微軟正黑體" pitchFamily="34" charset="-120"/>
               </a:rPr>
-              <a:t>小群不要怕  牧者已捨身</a:t>
-            </a:r>
-            <a:endParaRPr lang="en-US" altLang="zh-CN" sz="5400" b="1" dirty="0">
+              <a:t>凡事可能成就  只要相信</a:t>
+            </a:r>
+            <a:endParaRPr lang="en-US" altLang="zh-CN" sz="6400" b="1" dirty="0">
               <a:solidFill>
                 <a:srgbClr val="000066"/>
               </a:solidFill>
@@ -3140,84 +3311,18 @@
               <a:ea typeface="微軟正黑體" pitchFamily="34" charset="-120"/>
             </a:endParaRPr>
           </a:p>
-          <a:p>
-            <a:pPr algn="ctr">
-              <a:buNone/>
-            </a:pPr>
-            <a:r>
-              <a:rPr lang="zh-CN" altLang="en-US" sz="5400" b="1" dirty="0">
-                <a:solidFill>
-                  <a:srgbClr val="000066"/>
-                </a:solidFill>
-                <a:latin typeface="微軟正黑體" pitchFamily="34" charset="-120"/>
-                <a:ea typeface="微軟正黑體" pitchFamily="34" charset="-120"/>
-              </a:rPr>
-              <a:t>曾死十架上  由墳墓復生</a:t>
-            </a:r>
-            <a:endParaRPr lang="en-US" altLang="zh-CN" sz="5400" b="1" dirty="0">
-              <a:solidFill>
-                <a:srgbClr val="000066"/>
-              </a:solidFill>
-              <a:latin typeface="微軟正黑體" pitchFamily="34" charset="-120"/>
-              <a:ea typeface="微軟正黑體" pitchFamily="34" charset="-120"/>
-            </a:endParaRPr>
-          </a:p>
-          <a:p>
-            <a:pPr algn="ctr">
-              <a:buNone/>
-            </a:pPr>
-            <a:r>
-              <a:rPr lang="zh-CN" altLang="en-US" sz="5400" b="1" dirty="0">
-                <a:solidFill>
-                  <a:srgbClr val="000066"/>
-                </a:solidFill>
-                <a:latin typeface="微軟正黑體" pitchFamily="34" charset="-120"/>
-                <a:ea typeface="微軟正黑體" pitchFamily="34" charset="-120"/>
-              </a:rPr>
-              <a:t>天地諸權勢  在主手執掌</a:t>
-            </a:r>
-            <a:endParaRPr lang="en-US" altLang="zh-CN" sz="5400" b="1" dirty="0">
-              <a:solidFill>
-                <a:srgbClr val="000066"/>
-              </a:solidFill>
-              <a:latin typeface="微軟正黑體" pitchFamily="34" charset="-120"/>
-              <a:ea typeface="微軟正黑體" pitchFamily="34" charset="-120"/>
-            </a:endParaRPr>
-          </a:p>
-          <a:p>
-            <a:pPr algn="ctr">
-              <a:buNone/>
-            </a:pPr>
-            <a:r>
-              <a:rPr lang="zh-CN" altLang="en-US" sz="5400" b="1" dirty="0">
-                <a:solidFill>
-                  <a:srgbClr val="000066"/>
-                </a:solidFill>
-                <a:latin typeface="微軟正黑體" pitchFamily="34" charset="-120"/>
-                <a:ea typeface="微軟正黑體" pitchFamily="34" charset="-120"/>
-              </a:rPr>
-              <a:t>一切已預備  為主所愛群羊</a:t>
-            </a:r>
-            <a:endParaRPr lang="zh-TW" altLang="en-US" sz="5400" b="1" dirty="0">
-              <a:solidFill>
-                <a:srgbClr val="000066"/>
-              </a:solidFill>
-              <a:latin typeface="微軟正黑體" pitchFamily="34" charset="-120"/>
-              <a:ea typeface="微軟正黑體" pitchFamily="34" charset="-120"/>
-            </a:endParaRPr>
-          </a:p>
-        </p:txBody>
-      </p:sp>
-      <p:sp>
-        <p:nvSpPr>
-          <p:cNvPr id="2" name="TextBox 1"/>
+        </p:txBody>
+      </p:sp>
+      <p:sp>
+        <p:nvSpPr>
+          <p:cNvPr id="3" name="TextBox 2"/>
           <p:cNvSpPr txBox="1"/>
           <p:nvPr/>
         </p:nvSpPr>
         <p:spPr>
           <a:xfrm>
-            <a:off x="638807" y="1700808"/>
-            <a:ext cx="1296144" cy="923330"/>
+            <a:off x="0" y="5061182"/>
+            <a:ext cx="12192000" cy="830997"/>
           </a:xfrm>
           <a:prstGeom prst="rect">
             <a:avLst/>
@@ -3230,15 +3335,32 @@
           </a:bodyPr>
           <a:lstStyle/>
           <a:p>
-            <a:r>
-              <a:rPr lang="en-US" sz="5400" b="1" dirty="0" smtClean="0">
-                <a:solidFill>
-                  <a:srgbClr val="000066"/>
-                </a:solidFill>
-              </a:rPr>
-              <a:t>1.</a:t>
-            </a:r>
-            <a:endParaRPr lang="vi-VN" sz="5400" b="1" dirty="0">
+            <a:pPr algn="ctr"/>
+            <a:r>
+              <a:rPr lang="en-US" sz="4800" b="1" dirty="0">
+                <a:solidFill>
+                  <a:srgbClr val="000066"/>
+                </a:solidFill>
+              </a:rPr>
+              <a:t>( </a:t>
+            </a:r>
+            <a:r>
+              <a:rPr lang="en-US" sz="4800" b="1" dirty="0" smtClean="0">
+                <a:solidFill>
+                  <a:srgbClr val="000066"/>
+                </a:solidFill>
+              </a:rPr>
+              <a:t>x2 </a:t>
+            </a:r>
+            <a:r>
+              <a:rPr lang="en-US" sz="4800" b="1" dirty="0">
+                <a:solidFill>
+                  <a:srgbClr val="000066"/>
+                </a:solidFill>
+              </a:rPr>
+              <a:t>)</a:t>
+            </a:r>
+            <a:endParaRPr lang="vi-VN" sz="4800" b="1" dirty="0">
               <a:solidFill>
                 <a:srgbClr val="000066"/>
               </a:solidFill>
@@ -3247,10 +3369,22 @@
         </p:txBody>
       </p:sp>
     </p:spTree>
+    <p:extLst>
+      <p:ext uri="{BB962C8B-B14F-4D97-AF65-F5344CB8AC3E}">
+        <p14:creationId xmlns:p14="http://schemas.microsoft.com/office/powerpoint/2010/main" val="939409444"/>
+      </p:ext>
+    </p:extLst>
   </p:cSld>
   <p:clrMapOvr>
     <a:masterClrMapping/>
   </p:clrMapOvr>
+  <p:timing>
+    <p:tnLst>
+      <p:par>
+        <p:cTn id="1" dur="indefinite" restart="never" nodeType="tmRoot"/>
+      </p:par>
+    </p:tnLst>
+  </p:timing>
 </p:sld>
 </file>
 
@@ -3273,32 +3407,60 @@
       </p:grpSpPr>
       <p:sp>
         <p:nvSpPr>
-          <p:cNvPr id="4" name="標題 3"/>
-          <p:cNvSpPr>
-            <a:spLocks noGrp="1"/>
-          </p:cNvSpPr>
-          <p:nvPr>
-            <p:ph type="title"/>
-          </p:nvPr>
-        </p:nvSpPr>
-        <p:spPr/>
-        <p:txBody>
-          <a:bodyPr>
+          <p:cNvPr id="5" name="內容版面配置區 4"/>
+          <p:cNvSpPr>
+            <a:spLocks noGrp="1"/>
+          </p:cNvSpPr>
+          <p:nvPr>
+            <p:ph idx="1"/>
+          </p:nvPr>
+        </p:nvSpPr>
+        <p:spPr>
+          <a:xfrm>
+            <a:off x="0" y="2084851"/>
+            <a:ext cx="12192000" cy="2404863"/>
+          </a:xfrm>
+        </p:spPr>
+        <p:txBody>
+          <a:bodyPr anchor="ctr">
             <a:normAutofit/>
           </a:bodyPr>
           <a:lstStyle/>
           <a:p>
-            <a:r>
-              <a:rPr lang="zh-CN" altLang="en-US" sz="4800" b="1" dirty="0">
+            <a:pPr algn="ctr">
+              <a:buNone/>
+            </a:pPr>
+            <a:r>
+              <a:rPr lang="zh-CN" altLang="en-US" sz="6400" b="1" dirty="0">
                 <a:solidFill>
                   <a:srgbClr val="000066"/>
                 </a:solidFill>
                 <a:latin typeface="微軟正黑體" pitchFamily="34" charset="-120"/>
                 <a:ea typeface="微軟正黑體" pitchFamily="34" charset="-120"/>
               </a:rPr>
-              <a:t>只要相信</a:t>
-            </a:r>
-            <a:endParaRPr lang="zh-TW" altLang="en-US" sz="4800" b="1" dirty="0">
+              <a:t>小群不要怕  </a:t>
+            </a:r>
+            <a:r>
+              <a:rPr lang="zh-CN" altLang="en-US" sz="6400" b="1" dirty="0" smtClean="0">
+                <a:solidFill>
+                  <a:srgbClr val="000066"/>
+                </a:solidFill>
+                <a:latin typeface="微軟正黑體" pitchFamily="34" charset="-120"/>
+                <a:ea typeface="微軟正黑體" pitchFamily="34" charset="-120"/>
+              </a:rPr>
+              <a:t> 牧</a:t>
+            </a:r>
+            <a:r>
+              <a:rPr lang="zh-CN" altLang="en-US" sz="6400" b="1" dirty="0">
+                <a:solidFill>
+                  <a:srgbClr val="000066"/>
+                </a:solidFill>
+                <a:latin typeface="微軟正黑體" pitchFamily="34" charset="-120"/>
+                <a:ea typeface="微軟正黑體" pitchFamily="34" charset="-120"/>
+              </a:rPr>
+              <a:t>者已捨身</a:t>
+            </a:r>
+            <a:endParaRPr lang="en-US" altLang="zh-CN" sz="6400" b="1" dirty="0">
               <a:solidFill>
                 <a:srgbClr val="000066"/>
               </a:solidFill>
@@ -3306,39 +3468,41 @@
               <a:ea typeface="微軟正黑體" pitchFamily="34" charset="-120"/>
             </a:endParaRPr>
           </a:p>
-        </p:txBody>
-      </p:sp>
-      <p:sp>
-        <p:nvSpPr>
-          <p:cNvPr id="5" name="內容版面配置區 4"/>
-          <p:cNvSpPr>
-            <a:spLocks noGrp="1"/>
-          </p:cNvSpPr>
-          <p:nvPr>
-            <p:ph idx="1"/>
-          </p:nvPr>
-        </p:nvSpPr>
-        <p:spPr/>
-        <p:txBody>
-          <a:bodyPr>
-            <a:noAutofit/>
-          </a:bodyPr>
-          <a:lstStyle/>
           <a:p>
             <a:pPr algn="ctr">
               <a:buNone/>
             </a:pPr>
             <a:r>
-              <a:rPr lang="zh-CN" altLang="en-US" sz="5400" b="1" dirty="0">
+              <a:rPr lang="zh-CN" altLang="en-US" sz="6400" b="1" dirty="0">
                 <a:solidFill>
                   <a:srgbClr val="000066"/>
                 </a:solidFill>
                 <a:latin typeface="微軟正黑體" pitchFamily="34" charset="-120"/>
                 <a:ea typeface="微軟正黑體" pitchFamily="34" charset="-120"/>
               </a:rPr>
-              <a:t>只要相信  只要相信</a:t>
-            </a:r>
-            <a:endParaRPr lang="en-US" altLang="zh-CN" sz="5400" b="1" dirty="0">
+              <a:t>曾死十架上  </a:t>
+            </a:r>
+            <a:r>
+              <a:rPr lang="zh-CN" altLang="en-US" sz="6400" b="1" dirty="0" smtClean="0">
+                <a:solidFill>
+                  <a:srgbClr val="000066"/>
+                </a:solidFill>
+                <a:latin typeface="微軟正黑體" pitchFamily="34" charset="-120"/>
+                <a:ea typeface="微軟正黑體" pitchFamily="34" charset="-120"/>
+              </a:rPr>
+              <a:t> 由</a:t>
+            </a:r>
+            <a:r>
+              <a:rPr lang="zh-CN" altLang="en-US" sz="6400" b="1" dirty="0">
+                <a:solidFill>
+                  <a:srgbClr val="000066"/>
+                </a:solidFill>
+                <a:latin typeface="微軟正黑體" pitchFamily="34" charset="-120"/>
+                <a:ea typeface="微軟正黑體" pitchFamily="34" charset="-120"/>
+              </a:rPr>
+              <a:t>墳墓復生</a:t>
+            </a:r>
+            <a:endParaRPr lang="en-US" altLang="zh-CN" sz="6400" b="1" dirty="0">
               <a:solidFill>
                 <a:srgbClr val="000066"/>
               </a:solidFill>
@@ -3346,79 +3510,64 @@
               <a:ea typeface="微軟正黑體" pitchFamily="34" charset="-120"/>
             </a:endParaRPr>
           </a:p>
-          <a:p>
-            <a:pPr algn="ctr">
-              <a:buNone/>
-            </a:pPr>
-            <a:r>
-              <a:rPr lang="zh-CN" altLang="en-US" sz="5400" b="1" dirty="0">
-                <a:solidFill>
-                  <a:srgbClr val="000066"/>
-                </a:solidFill>
-                <a:latin typeface="微軟正黑體" pitchFamily="34" charset="-120"/>
-                <a:ea typeface="微軟正黑體" pitchFamily="34" charset="-120"/>
-              </a:rPr>
-              <a:t>凡事可能成就  只要相信</a:t>
-            </a:r>
-            <a:endParaRPr lang="en-US" altLang="zh-CN" sz="5400" b="1" dirty="0">
+        </p:txBody>
+      </p:sp>
+      <p:sp>
+        <p:nvSpPr>
+          <p:cNvPr id="3" name="TextBox 2"/>
+          <p:cNvSpPr txBox="1"/>
+          <p:nvPr/>
+        </p:nvSpPr>
+        <p:spPr>
+          <a:xfrm>
+            <a:off x="0" y="5061182"/>
+            <a:ext cx="12192000" cy="830997"/>
+          </a:xfrm>
+          <a:prstGeom prst="rect">
+            <a:avLst/>
+          </a:prstGeom>
+          <a:noFill/>
+        </p:spPr>
+        <p:txBody>
+          <a:bodyPr wrap="square" rtlCol="0">
+            <a:spAutoFit/>
+          </a:bodyPr>
+          <a:lstStyle/>
+          <a:p>
+            <a:pPr algn="ctr"/>
+            <a:r>
+              <a:rPr lang="en-US" sz="4800" b="1" dirty="0">
+                <a:solidFill>
+                  <a:srgbClr val="000066"/>
+                </a:solidFill>
+              </a:rPr>
+              <a:t>( 1 )</a:t>
+            </a:r>
+            <a:endParaRPr lang="vi-VN" sz="4800" b="1" dirty="0">
               <a:solidFill>
                 <a:srgbClr val="000066"/>
               </a:solidFill>
-              <a:latin typeface="微軟正黑體" pitchFamily="34" charset="-120"/>
-              <a:ea typeface="微軟正黑體" pitchFamily="34" charset="-120"/>
             </a:endParaRPr>
           </a:p>
-          <a:p>
-            <a:pPr algn="ctr">
-              <a:buNone/>
-            </a:pPr>
-            <a:r>
-              <a:rPr lang="zh-CN" altLang="en-US" sz="5400" b="1" dirty="0">
-                <a:solidFill>
-                  <a:srgbClr val="000066"/>
-                </a:solidFill>
-                <a:latin typeface="微軟正黑體" pitchFamily="34" charset="-120"/>
-                <a:ea typeface="微軟正黑體" pitchFamily="34" charset="-120"/>
-              </a:rPr>
-              <a:t>只要相信  只要相信</a:t>
-            </a:r>
-            <a:endParaRPr lang="en-US" altLang="zh-CN" sz="5400" b="1" dirty="0">
-              <a:solidFill>
-                <a:srgbClr val="000066"/>
-              </a:solidFill>
-              <a:latin typeface="微軟正黑體" pitchFamily="34" charset="-120"/>
-              <a:ea typeface="微軟正黑體" pitchFamily="34" charset="-120"/>
-            </a:endParaRPr>
-          </a:p>
-          <a:p>
-            <a:pPr algn="ctr">
-              <a:buNone/>
-            </a:pPr>
-            <a:r>
-              <a:rPr lang="zh-CN" altLang="en-US" sz="5400" b="1" dirty="0">
-                <a:solidFill>
-                  <a:srgbClr val="000066"/>
-                </a:solidFill>
-                <a:latin typeface="微軟正黑體" pitchFamily="34" charset="-120"/>
-                <a:ea typeface="微軟正黑體" pitchFamily="34" charset="-120"/>
-              </a:rPr>
-              <a:t>凡事可能成就  只要相信</a:t>
-            </a:r>
-            <a:endParaRPr lang="en-US" altLang="zh-CN" sz="5400" b="1" dirty="0">
-              <a:solidFill>
-                <a:srgbClr val="000066"/>
-              </a:solidFill>
-              <a:latin typeface="微軟正黑體" pitchFamily="34" charset="-120"/>
-              <a:ea typeface="微軟正黑體" pitchFamily="34" charset="-120"/>
-            </a:endParaRPr>
-          </a:p>
         </p:txBody>
       </p:sp>
     </p:spTree>
+    <p:extLst>
+      <p:ext uri="{BB962C8B-B14F-4D97-AF65-F5344CB8AC3E}">
+        <p14:creationId xmlns:p14="http://schemas.microsoft.com/office/powerpoint/2010/main" val="2508990931"/>
+      </p:ext>
+    </p:extLst>
   </p:cSld>
   <p:clrMapOvr>
     <a:masterClrMapping/>
   </p:clrMapOvr>
+  <p:timing>
+    <p:tnLst>
+      <p:par>
+        <p:cTn id="1" dur="indefinite" restart="never" nodeType="tmRoot"/>
+      </p:par>
+    </p:tnLst>
+  </p:timing>
 </p:sld>
 </file>
 
@@ -3441,32 +3590,60 @@
       </p:grpSpPr>
       <p:sp>
         <p:nvSpPr>
-          <p:cNvPr id="4" name="標題 3"/>
-          <p:cNvSpPr>
-            <a:spLocks noGrp="1"/>
-          </p:cNvSpPr>
-          <p:nvPr>
-            <p:ph type="title"/>
-          </p:nvPr>
-        </p:nvSpPr>
-        <p:spPr/>
-        <p:txBody>
-          <a:bodyPr>
+          <p:cNvPr id="5" name="內容版面配置區 4"/>
+          <p:cNvSpPr>
+            <a:spLocks noGrp="1"/>
+          </p:cNvSpPr>
+          <p:nvPr>
+            <p:ph idx="1"/>
+          </p:nvPr>
+        </p:nvSpPr>
+        <p:spPr>
+          <a:xfrm>
+            <a:off x="0" y="2084851"/>
+            <a:ext cx="12192000" cy="2404863"/>
+          </a:xfrm>
+        </p:spPr>
+        <p:txBody>
+          <a:bodyPr anchor="ctr">
             <a:normAutofit/>
           </a:bodyPr>
           <a:lstStyle/>
           <a:p>
-            <a:r>
-              <a:rPr lang="zh-CN" altLang="en-US" sz="4800" b="1" dirty="0">
+            <a:pPr algn="ctr">
+              <a:buNone/>
+            </a:pPr>
+            <a:r>
+              <a:rPr lang="zh-CN" altLang="en-US" sz="6400" b="1" dirty="0">
                 <a:solidFill>
                   <a:srgbClr val="000066"/>
                 </a:solidFill>
                 <a:latin typeface="微軟正黑體" pitchFamily="34" charset="-120"/>
                 <a:ea typeface="微軟正黑體" pitchFamily="34" charset="-120"/>
               </a:rPr>
-              <a:t>只要相信</a:t>
-            </a:r>
-            <a:endParaRPr lang="zh-TW" altLang="en-US" sz="4800" b="1" dirty="0">
+              <a:t>天地諸權勢  </a:t>
+            </a:r>
+            <a:r>
+              <a:rPr lang="zh-CN" altLang="en-US" sz="6400" b="1" dirty="0">
+                <a:solidFill>
+                  <a:srgbClr val="000066"/>
+                </a:solidFill>
+                <a:latin typeface="微軟正黑體" pitchFamily="34" charset="-120"/>
+                <a:ea typeface="微軟正黑體" pitchFamily="34" charset="-120"/>
+              </a:rPr>
+              <a:t> 在</a:t>
+            </a:r>
+            <a:r>
+              <a:rPr lang="zh-CN" altLang="en-US" sz="6400" b="1" dirty="0">
+                <a:solidFill>
+                  <a:srgbClr val="000066"/>
+                </a:solidFill>
+                <a:latin typeface="微軟正黑體" pitchFamily="34" charset="-120"/>
+                <a:ea typeface="微軟正黑體" pitchFamily="34" charset="-120"/>
+              </a:rPr>
+              <a:t>主手執掌</a:t>
+            </a:r>
+            <a:endParaRPr lang="en-US" altLang="zh-CN" sz="6400" b="1" dirty="0">
               <a:solidFill>
                 <a:srgbClr val="000066"/>
               </a:solidFill>
@@ -3474,39 +3651,41 @@
               <a:ea typeface="微軟正黑體" pitchFamily="34" charset="-120"/>
             </a:endParaRPr>
           </a:p>
-        </p:txBody>
-      </p:sp>
-      <p:sp>
-        <p:nvSpPr>
-          <p:cNvPr id="5" name="內容版面配置區 4"/>
-          <p:cNvSpPr>
-            <a:spLocks noGrp="1"/>
-          </p:cNvSpPr>
-          <p:nvPr>
-            <p:ph idx="1"/>
-          </p:nvPr>
-        </p:nvSpPr>
-        <p:spPr/>
-        <p:txBody>
-          <a:bodyPr>
-            <a:noAutofit/>
-          </a:bodyPr>
-          <a:lstStyle/>
           <a:p>
             <a:pPr algn="ctr">
               <a:buNone/>
             </a:pPr>
             <a:r>
-              <a:rPr lang="zh-CN" altLang="en-US" sz="5400" b="1" dirty="0">
+              <a:rPr lang="zh-CN" altLang="en-US" sz="6400" b="1" dirty="0">
                 <a:solidFill>
                   <a:srgbClr val="000066"/>
                 </a:solidFill>
                 <a:latin typeface="微軟正黑體" pitchFamily="34" charset="-120"/>
                 <a:ea typeface="微軟正黑體" pitchFamily="34" charset="-120"/>
               </a:rPr>
-              <a:t>小群不要怕  隨牧者領路</a:t>
-            </a:r>
-            <a:endParaRPr lang="en-US" altLang="zh-CN" sz="5400" b="1" dirty="0">
+              <a:t>一切已預備  </a:t>
+            </a:r>
+            <a:r>
+              <a:rPr lang="zh-CN" altLang="en-US" sz="6400" b="1" dirty="0">
+                <a:solidFill>
+                  <a:srgbClr val="000066"/>
+                </a:solidFill>
+                <a:latin typeface="微軟正黑體" pitchFamily="34" charset="-120"/>
+                <a:ea typeface="微軟正黑體" pitchFamily="34" charset="-120"/>
+              </a:rPr>
+              <a:t> 為</a:t>
+            </a:r>
+            <a:r>
+              <a:rPr lang="zh-CN" altLang="en-US" sz="6400" b="1" dirty="0">
+                <a:solidFill>
+                  <a:srgbClr val="000066"/>
+                </a:solidFill>
+                <a:latin typeface="微軟正黑體" pitchFamily="34" charset="-120"/>
+                <a:ea typeface="微軟正黑體" pitchFamily="34" charset="-120"/>
+              </a:rPr>
+              <a:t>主所愛群羊</a:t>
+            </a:r>
+            <a:endParaRPr lang="zh-TW" altLang="en-US" sz="6400" b="1" dirty="0">
               <a:solidFill>
                 <a:srgbClr val="000066"/>
               </a:solidFill>
@@ -3514,84 +3693,18 @@
               <a:ea typeface="微軟正黑體" pitchFamily="34" charset="-120"/>
             </a:endParaRPr>
           </a:p>
-          <a:p>
-            <a:pPr algn="ctr">
-              <a:buNone/>
-            </a:pPr>
-            <a:r>
-              <a:rPr lang="zh-CN" altLang="en-US" sz="5400" b="1" dirty="0">
-                <a:solidFill>
-                  <a:srgbClr val="000066"/>
-                </a:solidFill>
-                <a:latin typeface="微軟正黑體" pitchFamily="34" charset="-120"/>
-                <a:ea typeface="微軟正黑體" pitchFamily="34" charset="-120"/>
-              </a:rPr>
-              <a:t>所走的路程  須隨主腳步</a:t>
-            </a:r>
-            <a:endParaRPr lang="en-US" altLang="zh-CN" sz="5400" b="1" dirty="0">
-              <a:solidFill>
-                <a:srgbClr val="000066"/>
-              </a:solidFill>
-              <a:latin typeface="微軟正黑體" pitchFamily="34" charset="-120"/>
-              <a:ea typeface="微軟正黑體" pitchFamily="34" charset="-120"/>
-            </a:endParaRPr>
-          </a:p>
-          <a:p>
-            <a:pPr algn="ctr">
-              <a:buNone/>
-            </a:pPr>
-            <a:r>
-              <a:rPr lang="zh-CN" altLang="en-US" sz="5400" b="1" dirty="0">
-                <a:solidFill>
-                  <a:srgbClr val="000066"/>
-                </a:solidFill>
-                <a:latin typeface="微軟正黑體" pitchFamily="34" charset="-120"/>
-                <a:ea typeface="微軟正黑體" pitchFamily="34" charset="-120"/>
-              </a:rPr>
-              <a:t>生死諸苦味  主經已嘗試</a:t>
-            </a:r>
-            <a:endParaRPr lang="en-US" altLang="zh-CN" sz="5400" b="1" dirty="0">
-              <a:solidFill>
-                <a:srgbClr val="000066"/>
-              </a:solidFill>
-              <a:latin typeface="微軟正黑體" pitchFamily="34" charset="-120"/>
-              <a:ea typeface="微軟正黑體" pitchFamily="34" charset="-120"/>
-            </a:endParaRPr>
-          </a:p>
-          <a:p>
-            <a:pPr algn="ctr">
-              <a:buNone/>
-            </a:pPr>
-            <a:r>
-              <a:rPr lang="zh-CN" altLang="en-US" sz="5400" b="1" dirty="0">
-                <a:solidFill>
-                  <a:srgbClr val="000066"/>
-                </a:solidFill>
-                <a:latin typeface="微軟正黑體" pitchFamily="34" charset="-120"/>
-                <a:ea typeface="微軟正黑體" pitchFamily="34" charset="-120"/>
-              </a:rPr>
-              <a:t>因主捨己身  十字架上受死</a:t>
-            </a:r>
-            <a:endParaRPr lang="zh-TW" altLang="en-US" sz="5400" b="1" dirty="0">
-              <a:solidFill>
-                <a:srgbClr val="000066"/>
-              </a:solidFill>
-              <a:latin typeface="微軟正黑體" pitchFamily="34" charset="-120"/>
-              <a:ea typeface="微軟正黑體" pitchFamily="34" charset="-120"/>
-            </a:endParaRPr>
-          </a:p>
-        </p:txBody>
-      </p:sp>
-      <p:sp>
-        <p:nvSpPr>
-          <p:cNvPr id="6" name="TextBox 5"/>
+        </p:txBody>
+      </p:sp>
+      <p:sp>
+        <p:nvSpPr>
+          <p:cNvPr id="3" name="TextBox 2"/>
           <p:cNvSpPr txBox="1"/>
           <p:nvPr/>
         </p:nvSpPr>
         <p:spPr>
           <a:xfrm>
-            <a:off x="638807" y="1700808"/>
-            <a:ext cx="1296144" cy="923330"/>
+            <a:off x="0" y="5061182"/>
+            <a:ext cx="12192000" cy="830997"/>
           </a:xfrm>
           <a:prstGeom prst="rect">
             <a:avLst/>
@@ -3604,23 +3717,16 @@
           </a:bodyPr>
           <a:lstStyle/>
           <a:p>
-            <a:r>
-              <a:rPr lang="en-US" sz="5400" b="1" dirty="0">
-                <a:solidFill>
-                  <a:srgbClr val="000066"/>
-                </a:solidFill>
-              </a:rPr>
-              <a:t>2</a:t>
-            </a:r>
-            <a:r>
-              <a:rPr lang="en-US" sz="5400" b="1" dirty="0" smtClean="0">
-                <a:solidFill>
-                  <a:srgbClr val="000066"/>
-                </a:solidFill>
-              </a:rPr>
-              <a:t>.</a:t>
-            </a:r>
-            <a:endParaRPr lang="vi-VN" sz="5400" b="1" dirty="0">
+            <a:pPr algn="ctr"/>
+            <a:r>
+              <a:rPr lang="en-US" sz="4800" b="1" dirty="0">
+                <a:solidFill>
+                  <a:srgbClr val="000066"/>
+                </a:solidFill>
+              </a:rPr>
+              <a:t>( 1 )</a:t>
+            </a:r>
+            <a:endParaRPr lang="vi-VN" sz="4800" b="1" dirty="0">
               <a:solidFill>
                 <a:srgbClr val="000066"/>
               </a:solidFill>
@@ -3629,10 +3735,22 @@
         </p:txBody>
       </p:sp>
     </p:spTree>
+    <p:extLst>
+      <p:ext uri="{BB962C8B-B14F-4D97-AF65-F5344CB8AC3E}">
+        <p14:creationId xmlns:p14="http://schemas.microsoft.com/office/powerpoint/2010/main" val="4089653551"/>
+      </p:ext>
+    </p:extLst>
   </p:cSld>
   <p:clrMapOvr>
     <a:masterClrMapping/>
   </p:clrMapOvr>
+  <p:timing>
+    <p:tnLst>
+      <p:par>
+        <p:cTn id="1" dur="indefinite" restart="never" nodeType="tmRoot"/>
+      </p:par>
+    </p:tnLst>
+  </p:timing>
 </p:sld>
 </file>
 
@@ -3655,32 +3773,40 @@
       </p:grpSpPr>
       <p:sp>
         <p:nvSpPr>
-          <p:cNvPr id="4" name="標題 3"/>
-          <p:cNvSpPr>
-            <a:spLocks noGrp="1"/>
-          </p:cNvSpPr>
-          <p:nvPr>
-            <p:ph type="title"/>
-          </p:nvPr>
-        </p:nvSpPr>
-        <p:spPr/>
-        <p:txBody>
-          <a:bodyPr>
+          <p:cNvPr id="5" name="內容版面配置區 4"/>
+          <p:cNvSpPr>
+            <a:spLocks noGrp="1"/>
+          </p:cNvSpPr>
+          <p:nvPr>
+            <p:ph idx="1"/>
+          </p:nvPr>
+        </p:nvSpPr>
+        <p:spPr>
+          <a:xfrm>
+            <a:off x="0" y="2084851"/>
+            <a:ext cx="12192000" cy="2404863"/>
+          </a:xfrm>
+        </p:spPr>
+        <p:txBody>
+          <a:bodyPr anchor="ctr">
             <a:normAutofit/>
           </a:bodyPr>
           <a:lstStyle/>
           <a:p>
-            <a:r>
-              <a:rPr lang="zh-CN" altLang="en-US" sz="4800" b="1" dirty="0">
+            <a:pPr algn="ctr">
+              <a:buNone/>
+            </a:pPr>
+            <a:r>
+              <a:rPr lang="zh-CN" altLang="en-US" sz="6400" b="1" dirty="0">
                 <a:solidFill>
                   <a:srgbClr val="000066"/>
                 </a:solidFill>
                 <a:latin typeface="微軟正黑體" pitchFamily="34" charset="-120"/>
                 <a:ea typeface="微軟正黑體" pitchFamily="34" charset="-120"/>
               </a:rPr>
-              <a:t>只要相信</a:t>
-            </a:r>
-            <a:endParaRPr lang="zh-TW" altLang="en-US" sz="4800" b="1" dirty="0">
+              <a:t>只要相信  只要相信</a:t>
+            </a:r>
+            <a:endParaRPr lang="en-US" altLang="zh-CN" sz="6400" b="1" dirty="0">
               <a:solidFill>
                 <a:srgbClr val="000066"/>
               </a:solidFill>
@@ -3688,39 +3814,21 @@
               <a:ea typeface="微軟正黑體" pitchFamily="34" charset="-120"/>
             </a:endParaRPr>
           </a:p>
-        </p:txBody>
-      </p:sp>
-      <p:sp>
-        <p:nvSpPr>
-          <p:cNvPr id="5" name="內容版面配置區 4"/>
-          <p:cNvSpPr>
-            <a:spLocks noGrp="1"/>
-          </p:cNvSpPr>
-          <p:nvPr>
-            <p:ph idx="1"/>
-          </p:nvPr>
-        </p:nvSpPr>
-        <p:spPr/>
-        <p:txBody>
-          <a:bodyPr>
-            <a:noAutofit/>
-          </a:bodyPr>
-          <a:lstStyle/>
           <a:p>
             <a:pPr algn="ctr">
               <a:buNone/>
             </a:pPr>
             <a:r>
-              <a:rPr lang="zh-CN" altLang="en-US" sz="5400" b="1" dirty="0">
+              <a:rPr lang="zh-CN" altLang="en-US" sz="6400" b="1" dirty="0">
                 <a:solidFill>
                   <a:srgbClr val="000066"/>
                 </a:solidFill>
                 <a:latin typeface="微軟正黑體" pitchFamily="34" charset="-120"/>
                 <a:ea typeface="微軟正黑體" pitchFamily="34" charset="-120"/>
               </a:rPr>
-              <a:t>只要相信  只要相信</a:t>
-            </a:r>
-            <a:endParaRPr lang="en-US" altLang="zh-CN" sz="5400" b="1" dirty="0">
+              <a:t>凡事可能成就  只要相信</a:t>
+            </a:r>
+            <a:endParaRPr lang="en-US" altLang="zh-CN" sz="6400" b="1" dirty="0">
               <a:solidFill>
                 <a:srgbClr val="000066"/>
               </a:solidFill>
@@ -3728,79 +3836,80 @@
               <a:ea typeface="微軟正黑體" pitchFamily="34" charset="-120"/>
             </a:endParaRPr>
           </a:p>
-          <a:p>
-            <a:pPr algn="ctr">
-              <a:buNone/>
-            </a:pPr>
-            <a:r>
-              <a:rPr lang="zh-CN" altLang="en-US" sz="5400" b="1" dirty="0">
-                <a:solidFill>
-                  <a:srgbClr val="000066"/>
-                </a:solidFill>
-                <a:latin typeface="微軟正黑體" pitchFamily="34" charset="-120"/>
-                <a:ea typeface="微軟正黑體" pitchFamily="34" charset="-120"/>
-              </a:rPr>
-              <a:t>凡事可能成就  只要相信</a:t>
-            </a:r>
-            <a:endParaRPr lang="en-US" altLang="zh-CN" sz="5400" b="1" dirty="0">
+        </p:txBody>
+      </p:sp>
+      <p:sp>
+        <p:nvSpPr>
+          <p:cNvPr id="3" name="TextBox 2"/>
+          <p:cNvSpPr txBox="1"/>
+          <p:nvPr/>
+        </p:nvSpPr>
+        <p:spPr>
+          <a:xfrm>
+            <a:off x="0" y="5061182"/>
+            <a:ext cx="12192000" cy="830997"/>
+          </a:xfrm>
+          <a:prstGeom prst="rect">
+            <a:avLst/>
+          </a:prstGeom>
+          <a:noFill/>
+        </p:spPr>
+        <p:txBody>
+          <a:bodyPr wrap="square" rtlCol="0">
+            <a:spAutoFit/>
+          </a:bodyPr>
+          <a:lstStyle/>
+          <a:p>
+            <a:pPr algn="ctr"/>
+            <a:r>
+              <a:rPr lang="en-US" sz="4800" b="1" dirty="0">
+                <a:solidFill>
+                  <a:srgbClr val="000066"/>
+                </a:solidFill>
+              </a:rPr>
+              <a:t>( </a:t>
+            </a:r>
+            <a:r>
+              <a:rPr lang="en-US" sz="4800" b="1" dirty="0" smtClean="0">
+                <a:solidFill>
+                  <a:srgbClr val="000066"/>
+                </a:solidFill>
+              </a:rPr>
+              <a:t>x2 </a:t>
+            </a:r>
+            <a:r>
+              <a:rPr lang="en-US" sz="4800" b="1" dirty="0">
+                <a:solidFill>
+                  <a:srgbClr val="000066"/>
+                </a:solidFill>
+              </a:rPr>
+              <a:t>)</a:t>
+            </a:r>
+            <a:endParaRPr lang="vi-VN" sz="4800" b="1" dirty="0">
               <a:solidFill>
                 <a:srgbClr val="000066"/>
               </a:solidFill>
-              <a:latin typeface="微軟正黑體" pitchFamily="34" charset="-120"/>
-              <a:ea typeface="微軟正黑體" pitchFamily="34" charset="-120"/>
             </a:endParaRPr>
           </a:p>
-          <a:p>
-            <a:pPr algn="ctr">
-              <a:buNone/>
-            </a:pPr>
-            <a:r>
-              <a:rPr lang="zh-CN" altLang="en-US" sz="5400" b="1" dirty="0">
-                <a:solidFill>
-                  <a:srgbClr val="000066"/>
-                </a:solidFill>
-                <a:latin typeface="微軟正黑體" pitchFamily="34" charset="-120"/>
-                <a:ea typeface="微軟正黑體" pitchFamily="34" charset="-120"/>
-              </a:rPr>
-              <a:t>只要相信  只要相信</a:t>
-            </a:r>
-            <a:endParaRPr lang="en-US" altLang="zh-CN" sz="5400" b="1" dirty="0">
-              <a:solidFill>
-                <a:srgbClr val="000066"/>
-              </a:solidFill>
-              <a:latin typeface="微軟正黑體" pitchFamily="34" charset="-120"/>
-              <a:ea typeface="微軟正黑體" pitchFamily="34" charset="-120"/>
-            </a:endParaRPr>
-          </a:p>
-          <a:p>
-            <a:pPr algn="ctr">
-              <a:buNone/>
-            </a:pPr>
-            <a:r>
-              <a:rPr lang="zh-CN" altLang="en-US" sz="5400" b="1" dirty="0">
-                <a:solidFill>
-                  <a:srgbClr val="000066"/>
-                </a:solidFill>
-                <a:latin typeface="微軟正黑體" pitchFamily="34" charset="-120"/>
-                <a:ea typeface="微軟正黑體" pitchFamily="34" charset="-120"/>
-              </a:rPr>
-              <a:t>凡事可能成就  只要相信</a:t>
-            </a:r>
-            <a:endParaRPr lang="en-US" altLang="zh-CN" sz="5400" b="1" dirty="0">
-              <a:solidFill>
-                <a:srgbClr val="000066"/>
-              </a:solidFill>
-              <a:latin typeface="微軟正黑體" pitchFamily="34" charset="-120"/>
-              <a:ea typeface="微軟正黑體" pitchFamily="34" charset="-120"/>
-            </a:endParaRPr>
-          </a:p>
         </p:txBody>
       </p:sp>
     </p:spTree>
+    <p:extLst>
+      <p:ext uri="{BB962C8B-B14F-4D97-AF65-F5344CB8AC3E}">
+        <p14:creationId xmlns:p14="http://schemas.microsoft.com/office/powerpoint/2010/main" val="3855848848"/>
+      </p:ext>
+    </p:extLst>
   </p:cSld>
   <p:clrMapOvr>
     <a:masterClrMapping/>
   </p:clrMapOvr>
+  <p:timing>
+    <p:tnLst>
+      <p:par>
+        <p:cTn id="1" dur="indefinite" restart="never" nodeType="tmRoot"/>
+      </p:par>
+    </p:tnLst>
+  </p:timing>
 </p:sld>
 </file>
 
@@ -3823,32 +3932,60 @@
       </p:grpSpPr>
       <p:sp>
         <p:nvSpPr>
-          <p:cNvPr id="4" name="標題 3"/>
-          <p:cNvSpPr>
-            <a:spLocks noGrp="1"/>
-          </p:cNvSpPr>
-          <p:nvPr>
-            <p:ph type="title"/>
-          </p:nvPr>
-        </p:nvSpPr>
-        <p:spPr/>
-        <p:txBody>
-          <a:bodyPr>
+          <p:cNvPr id="5" name="內容版面配置區 4"/>
+          <p:cNvSpPr>
+            <a:spLocks noGrp="1"/>
+          </p:cNvSpPr>
+          <p:nvPr>
+            <p:ph idx="1"/>
+          </p:nvPr>
+        </p:nvSpPr>
+        <p:spPr>
+          <a:xfrm>
+            <a:off x="0" y="2084851"/>
+            <a:ext cx="12192000" cy="2404863"/>
+          </a:xfrm>
+        </p:spPr>
+        <p:txBody>
+          <a:bodyPr anchor="ctr">
             <a:normAutofit/>
           </a:bodyPr>
           <a:lstStyle/>
           <a:p>
-            <a:r>
-              <a:rPr lang="zh-CN" altLang="en-US" sz="4800" b="1" dirty="0">
+            <a:pPr algn="ctr">
+              <a:buNone/>
+            </a:pPr>
+            <a:r>
+              <a:rPr lang="zh-CN" altLang="en-US" sz="6400" b="1" dirty="0">
                 <a:solidFill>
                   <a:srgbClr val="000066"/>
                 </a:solidFill>
                 <a:latin typeface="微軟正黑體" pitchFamily="34" charset="-120"/>
                 <a:ea typeface="微軟正黑體" pitchFamily="34" charset="-120"/>
               </a:rPr>
-              <a:t>只要相信</a:t>
-            </a:r>
-            <a:endParaRPr lang="zh-TW" altLang="en-US" sz="4800" b="1" dirty="0">
+              <a:t>小群不要怕  </a:t>
+            </a:r>
+            <a:r>
+              <a:rPr lang="zh-CN" altLang="en-US" sz="6400" b="1" dirty="0" smtClean="0">
+                <a:solidFill>
+                  <a:srgbClr val="000066"/>
+                </a:solidFill>
+                <a:latin typeface="微軟正黑體" pitchFamily="34" charset="-120"/>
+                <a:ea typeface="微軟正黑體" pitchFamily="34" charset="-120"/>
+              </a:rPr>
+              <a:t> 隨</a:t>
+            </a:r>
+            <a:r>
+              <a:rPr lang="zh-CN" altLang="en-US" sz="6400" b="1" dirty="0">
+                <a:solidFill>
+                  <a:srgbClr val="000066"/>
+                </a:solidFill>
+                <a:latin typeface="微軟正黑體" pitchFamily="34" charset="-120"/>
+                <a:ea typeface="微軟正黑體" pitchFamily="34" charset="-120"/>
+              </a:rPr>
+              <a:t>牧者領路</a:t>
+            </a:r>
+            <a:endParaRPr lang="en-US" altLang="zh-CN" sz="6400" b="1" dirty="0">
               <a:solidFill>
                 <a:srgbClr val="000066"/>
               </a:solidFill>
@@ -3856,39 +3993,41 @@
               <a:ea typeface="微軟正黑體" pitchFamily="34" charset="-120"/>
             </a:endParaRPr>
           </a:p>
-        </p:txBody>
-      </p:sp>
-      <p:sp>
-        <p:nvSpPr>
-          <p:cNvPr id="5" name="內容版面配置區 4"/>
-          <p:cNvSpPr>
-            <a:spLocks noGrp="1"/>
-          </p:cNvSpPr>
-          <p:nvPr>
-            <p:ph idx="1"/>
-          </p:nvPr>
-        </p:nvSpPr>
-        <p:spPr/>
-        <p:txBody>
-          <a:bodyPr>
-            <a:noAutofit/>
-          </a:bodyPr>
-          <a:lstStyle/>
           <a:p>
             <a:pPr algn="ctr">
               <a:buNone/>
             </a:pPr>
             <a:r>
-              <a:rPr lang="zh-CN" altLang="en-US" sz="5400" b="1" dirty="0">
+              <a:rPr lang="zh-CN" altLang="en-US" sz="6400" b="1" dirty="0">
                 <a:solidFill>
                   <a:srgbClr val="000066"/>
                 </a:solidFill>
                 <a:latin typeface="微軟正黑體" pitchFamily="34" charset="-120"/>
                 <a:ea typeface="微軟正黑體" pitchFamily="34" charset="-120"/>
               </a:rPr>
-              <a:t>小群不要怕  牧者皆深知</a:t>
-            </a:r>
-            <a:endParaRPr lang="en-US" altLang="zh-CN" sz="5400" b="1" dirty="0">
+              <a:t>所走的路程  </a:t>
+            </a:r>
+            <a:r>
+              <a:rPr lang="zh-CN" altLang="en-US" sz="6400" b="1" dirty="0" smtClean="0">
+                <a:solidFill>
+                  <a:srgbClr val="000066"/>
+                </a:solidFill>
+                <a:latin typeface="微軟正黑體" pitchFamily="34" charset="-120"/>
+                <a:ea typeface="微軟正黑體" pitchFamily="34" charset="-120"/>
+              </a:rPr>
+              <a:t> 須</a:t>
+            </a:r>
+            <a:r>
+              <a:rPr lang="zh-CN" altLang="en-US" sz="6400" b="1" dirty="0">
+                <a:solidFill>
+                  <a:srgbClr val="000066"/>
+                </a:solidFill>
+                <a:latin typeface="微軟正黑體" pitchFamily="34" charset="-120"/>
+                <a:ea typeface="微軟正黑體" pitchFamily="34" charset="-120"/>
+              </a:rPr>
+              <a:t>隨主腳步</a:t>
+            </a:r>
+            <a:endParaRPr lang="en-US" altLang="zh-CN" sz="6400" b="1" dirty="0">
               <a:solidFill>
                 <a:srgbClr val="000066"/>
               </a:solidFill>
@@ -3896,84 +4035,18 @@
               <a:ea typeface="微軟正黑體" pitchFamily="34" charset="-120"/>
             </a:endParaRPr>
           </a:p>
-          <a:p>
-            <a:pPr algn="ctr">
-              <a:buNone/>
-            </a:pPr>
-            <a:r>
-              <a:rPr lang="zh-CN" altLang="en-US" sz="5400" b="1" dirty="0">
-                <a:solidFill>
-                  <a:srgbClr val="000066"/>
-                </a:solidFill>
-                <a:latin typeface="微軟正黑體" pitchFamily="34" charset="-120"/>
-                <a:ea typeface="微軟正黑體" pitchFamily="34" charset="-120"/>
-              </a:rPr>
-              <a:t>路程或平安  愁苦或貧寒</a:t>
-            </a:r>
-            <a:endParaRPr lang="en-US" altLang="zh-CN" sz="5400" b="1" dirty="0">
-              <a:solidFill>
-                <a:srgbClr val="000066"/>
-              </a:solidFill>
-              <a:latin typeface="微軟正黑體" pitchFamily="34" charset="-120"/>
-              <a:ea typeface="微軟正黑體" pitchFamily="34" charset="-120"/>
-            </a:endParaRPr>
-          </a:p>
-          <a:p>
-            <a:pPr algn="ctr">
-              <a:buNone/>
-            </a:pPr>
-            <a:r>
-              <a:rPr lang="zh-CN" altLang="en-US" sz="5400" b="1" dirty="0">
-                <a:solidFill>
-                  <a:srgbClr val="000066"/>
-                </a:solidFill>
-                <a:latin typeface="微軟正黑體" pitchFamily="34" charset="-120"/>
-                <a:ea typeface="微軟正黑體" pitchFamily="34" charset="-120"/>
-              </a:rPr>
-              <a:t>永遠不離開  永相皆相安</a:t>
-            </a:r>
-            <a:endParaRPr lang="en-US" altLang="zh-CN" sz="5400" b="1" dirty="0">
-              <a:solidFill>
-                <a:srgbClr val="000066"/>
-              </a:solidFill>
-              <a:latin typeface="微軟正黑體" pitchFamily="34" charset="-120"/>
-              <a:ea typeface="微軟正黑體" pitchFamily="34" charset="-120"/>
-            </a:endParaRPr>
-          </a:p>
-          <a:p>
-            <a:pPr algn="ctr">
-              <a:buNone/>
-            </a:pPr>
-            <a:r>
-              <a:rPr lang="zh-CN" altLang="en-US" sz="5400" b="1" dirty="0">
-                <a:solidFill>
-                  <a:srgbClr val="000066"/>
-                </a:solidFill>
-                <a:latin typeface="微軟正黑體" pitchFamily="34" charset="-120"/>
-                <a:ea typeface="微軟正黑體" pitchFamily="34" charset="-120"/>
-              </a:rPr>
-              <a:t>專心倚靠主  不論光明黑暗</a:t>
-            </a:r>
-            <a:endParaRPr lang="zh-TW" altLang="en-US" sz="5400" b="1" dirty="0">
-              <a:solidFill>
-                <a:srgbClr val="000066"/>
-              </a:solidFill>
-              <a:latin typeface="微軟正黑體" pitchFamily="34" charset="-120"/>
-              <a:ea typeface="微軟正黑體" pitchFamily="34" charset="-120"/>
-            </a:endParaRPr>
-          </a:p>
-        </p:txBody>
-      </p:sp>
-      <p:sp>
-        <p:nvSpPr>
-          <p:cNvPr id="6" name="TextBox 5"/>
+        </p:txBody>
+      </p:sp>
+      <p:sp>
+        <p:nvSpPr>
+          <p:cNvPr id="3" name="TextBox 2"/>
           <p:cNvSpPr txBox="1"/>
           <p:nvPr/>
         </p:nvSpPr>
         <p:spPr>
           <a:xfrm>
-            <a:off x="638807" y="1700808"/>
-            <a:ext cx="1296144" cy="923330"/>
+            <a:off x="0" y="5061182"/>
+            <a:ext cx="12192000" cy="830997"/>
           </a:xfrm>
           <a:prstGeom prst="rect">
             <a:avLst/>
@@ -3986,15 +4059,32 @@
           </a:bodyPr>
           <a:lstStyle/>
           <a:p>
-            <a:r>
-              <a:rPr lang="en-US" sz="5400" b="1" dirty="0" smtClean="0">
-                <a:solidFill>
-                  <a:srgbClr val="000066"/>
-                </a:solidFill>
-              </a:rPr>
-              <a:t>3.</a:t>
-            </a:r>
-            <a:endParaRPr lang="vi-VN" sz="5400" b="1" dirty="0">
+            <a:pPr algn="ctr"/>
+            <a:r>
+              <a:rPr lang="en-US" sz="4800" b="1" dirty="0">
+                <a:solidFill>
+                  <a:srgbClr val="000066"/>
+                </a:solidFill>
+              </a:rPr>
+              <a:t>( </a:t>
+            </a:r>
+            <a:r>
+              <a:rPr lang="en-US" sz="4800" b="1" dirty="0" smtClean="0">
+                <a:solidFill>
+                  <a:srgbClr val="000066"/>
+                </a:solidFill>
+              </a:rPr>
+              <a:t>2 </a:t>
+            </a:r>
+            <a:r>
+              <a:rPr lang="en-US" sz="4800" b="1" dirty="0">
+                <a:solidFill>
+                  <a:srgbClr val="000066"/>
+                </a:solidFill>
+              </a:rPr>
+              <a:t>)</a:t>
+            </a:r>
+            <a:endParaRPr lang="vi-VN" sz="4800" b="1" dirty="0">
               <a:solidFill>
                 <a:srgbClr val="000066"/>
               </a:solidFill>
@@ -4003,10 +4093,22 @@
         </p:txBody>
       </p:sp>
     </p:spTree>
+    <p:extLst>
+      <p:ext uri="{BB962C8B-B14F-4D97-AF65-F5344CB8AC3E}">
+        <p14:creationId xmlns:p14="http://schemas.microsoft.com/office/powerpoint/2010/main" val="2827505854"/>
+      </p:ext>
+    </p:extLst>
   </p:cSld>
   <p:clrMapOvr>
     <a:masterClrMapping/>
   </p:clrMapOvr>
+  <p:timing>
+    <p:tnLst>
+      <p:par>
+        <p:cTn id="1" dur="indefinite" restart="never" nodeType="tmRoot"/>
+      </p:par>
+    </p:tnLst>
+  </p:timing>
 </p:sld>
 </file>
 
@@ -4029,32 +4131,60 @@
       </p:grpSpPr>
       <p:sp>
         <p:nvSpPr>
-          <p:cNvPr id="4" name="標題 3"/>
-          <p:cNvSpPr>
-            <a:spLocks noGrp="1"/>
-          </p:cNvSpPr>
-          <p:nvPr>
-            <p:ph type="title"/>
-          </p:nvPr>
-        </p:nvSpPr>
-        <p:spPr/>
-        <p:txBody>
-          <a:bodyPr>
+          <p:cNvPr id="5" name="內容版面配置區 4"/>
+          <p:cNvSpPr>
+            <a:spLocks noGrp="1"/>
+          </p:cNvSpPr>
+          <p:nvPr>
+            <p:ph idx="1"/>
+          </p:nvPr>
+        </p:nvSpPr>
+        <p:spPr>
+          <a:xfrm>
+            <a:off x="0" y="2084851"/>
+            <a:ext cx="12192000" cy="2404863"/>
+          </a:xfrm>
+        </p:spPr>
+        <p:txBody>
+          <a:bodyPr anchor="ctr">
             <a:normAutofit/>
           </a:bodyPr>
           <a:lstStyle/>
           <a:p>
-            <a:r>
-              <a:rPr lang="zh-CN" altLang="en-US" sz="4800" b="1" dirty="0">
+            <a:pPr algn="ctr">
+              <a:buNone/>
+            </a:pPr>
+            <a:r>
+              <a:rPr lang="zh-CN" altLang="en-US" sz="6400" b="1" dirty="0">
                 <a:solidFill>
                   <a:srgbClr val="000066"/>
                 </a:solidFill>
                 <a:latin typeface="微軟正黑體" pitchFamily="34" charset="-120"/>
                 <a:ea typeface="微軟正黑體" pitchFamily="34" charset="-120"/>
               </a:rPr>
-              <a:t>只要相信</a:t>
-            </a:r>
-            <a:endParaRPr lang="zh-TW" altLang="en-US" sz="4800" b="1" dirty="0">
+              <a:t>生死諸苦味  </a:t>
+            </a:r>
+            <a:r>
+              <a:rPr lang="zh-CN" altLang="en-US" sz="6400" b="1" dirty="0">
+                <a:solidFill>
+                  <a:srgbClr val="000066"/>
+                </a:solidFill>
+                <a:latin typeface="微軟正黑體" pitchFamily="34" charset="-120"/>
+                <a:ea typeface="微軟正黑體" pitchFamily="34" charset="-120"/>
+              </a:rPr>
+              <a:t> 主</a:t>
+            </a:r>
+            <a:r>
+              <a:rPr lang="zh-CN" altLang="en-US" sz="6400" b="1" dirty="0">
+                <a:solidFill>
+                  <a:srgbClr val="000066"/>
+                </a:solidFill>
+                <a:latin typeface="微軟正黑體" pitchFamily="34" charset="-120"/>
+                <a:ea typeface="微軟正黑體" pitchFamily="34" charset="-120"/>
+              </a:rPr>
+              <a:t>經已嘗試</a:t>
+            </a:r>
+            <a:endParaRPr lang="en-US" altLang="zh-CN" sz="6400" b="1" dirty="0">
               <a:solidFill>
                 <a:srgbClr val="000066"/>
               </a:solidFill>
@@ -4062,39 +4192,41 @@
               <a:ea typeface="微軟正黑體" pitchFamily="34" charset="-120"/>
             </a:endParaRPr>
           </a:p>
-        </p:txBody>
-      </p:sp>
-      <p:sp>
-        <p:nvSpPr>
-          <p:cNvPr id="5" name="內容版面配置區 4"/>
-          <p:cNvSpPr>
-            <a:spLocks noGrp="1"/>
-          </p:cNvSpPr>
-          <p:nvPr>
-            <p:ph idx="1"/>
-          </p:nvPr>
-        </p:nvSpPr>
-        <p:spPr/>
-        <p:txBody>
-          <a:bodyPr>
-            <a:noAutofit/>
-          </a:bodyPr>
-          <a:lstStyle/>
           <a:p>
             <a:pPr algn="ctr">
               <a:buNone/>
             </a:pPr>
             <a:r>
-              <a:rPr lang="zh-CN" altLang="en-US" sz="5400" b="1" dirty="0">
+              <a:rPr lang="zh-CN" altLang="en-US" sz="6400" b="1" dirty="0">
                 <a:solidFill>
                   <a:srgbClr val="000066"/>
                 </a:solidFill>
                 <a:latin typeface="微軟正黑體" pitchFamily="34" charset="-120"/>
                 <a:ea typeface="微軟正黑體" pitchFamily="34" charset="-120"/>
               </a:rPr>
-              <a:t>只要相信  只要相信</a:t>
-            </a:r>
-            <a:endParaRPr lang="en-US" altLang="zh-CN" sz="5400" b="1" dirty="0">
+              <a:t>因主捨己身  </a:t>
+            </a:r>
+            <a:r>
+              <a:rPr lang="zh-CN" altLang="en-US" sz="6400" b="1" dirty="0">
+                <a:solidFill>
+                  <a:srgbClr val="000066"/>
+                </a:solidFill>
+                <a:latin typeface="微軟正黑體" pitchFamily="34" charset="-120"/>
+                <a:ea typeface="微軟正黑體" pitchFamily="34" charset="-120"/>
+              </a:rPr>
+              <a:t> 十</a:t>
+            </a:r>
+            <a:r>
+              <a:rPr lang="zh-CN" altLang="en-US" sz="6400" b="1" dirty="0">
+                <a:solidFill>
+                  <a:srgbClr val="000066"/>
+                </a:solidFill>
+                <a:latin typeface="微軟正黑體" pitchFamily="34" charset="-120"/>
+                <a:ea typeface="微軟正黑體" pitchFamily="34" charset="-120"/>
+              </a:rPr>
+              <a:t>字架上受死</a:t>
+            </a:r>
+            <a:endParaRPr lang="zh-TW" altLang="en-US" sz="6400" b="1" dirty="0">
               <a:solidFill>
                 <a:srgbClr val="000066"/>
               </a:solidFill>
@@ -4102,21 +4234,136 @@
               <a:ea typeface="微軟正黑體" pitchFamily="34" charset="-120"/>
             </a:endParaRPr>
           </a:p>
+        </p:txBody>
+      </p:sp>
+      <p:sp>
+        <p:nvSpPr>
+          <p:cNvPr id="3" name="TextBox 2"/>
+          <p:cNvSpPr txBox="1"/>
+          <p:nvPr/>
+        </p:nvSpPr>
+        <p:spPr>
+          <a:xfrm>
+            <a:off x="0" y="5061182"/>
+            <a:ext cx="12192000" cy="830997"/>
+          </a:xfrm>
+          <a:prstGeom prst="rect">
+            <a:avLst/>
+          </a:prstGeom>
+          <a:noFill/>
+        </p:spPr>
+        <p:txBody>
+          <a:bodyPr wrap="square" rtlCol="0">
+            <a:spAutoFit/>
+          </a:bodyPr>
+          <a:lstStyle/>
+          <a:p>
+            <a:pPr algn="ctr"/>
+            <a:r>
+              <a:rPr lang="en-US" sz="4800" b="1" dirty="0">
+                <a:solidFill>
+                  <a:srgbClr val="000066"/>
+                </a:solidFill>
+              </a:rPr>
+              <a:t>( </a:t>
+            </a:r>
+            <a:r>
+              <a:rPr lang="en-US" sz="4800" b="1" dirty="0" smtClean="0">
+                <a:solidFill>
+                  <a:srgbClr val="000066"/>
+                </a:solidFill>
+              </a:rPr>
+              <a:t>2 </a:t>
+            </a:r>
+            <a:r>
+              <a:rPr lang="en-US" sz="4800" b="1" dirty="0">
+                <a:solidFill>
+                  <a:srgbClr val="000066"/>
+                </a:solidFill>
+              </a:rPr>
+              <a:t>)</a:t>
+            </a:r>
+            <a:endParaRPr lang="vi-VN" sz="4800" b="1" dirty="0">
+              <a:solidFill>
+                <a:srgbClr val="000066"/>
+              </a:solidFill>
+            </a:endParaRPr>
+          </a:p>
+        </p:txBody>
+      </p:sp>
+    </p:spTree>
+    <p:extLst>
+      <p:ext uri="{BB962C8B-B14F-4D97-AF65-F5344CB8AC3E}">
+        <p14:creationId xmlns:p14="http://schemas.microsoft.com/office/powerpoint/2010/main" val="1318460360"/>
+      </p:ext>
+    </p:extLst>
+  </p:cSld>
+  <p:clrMapOvr>
+    <a:masterClrMapping/>
+  </p:clrMapOvr>
+  <p:timing>
+    <p:tnLst>
+      <p:par>
+        <p:cTn id="1" dur="indefinite" restart="never" nodeType="tmRoot"/>
+      </p:par>
+    </p:tnLst>
+  </p:timing>
+</p:sld>
+</file>
+
+<file path=ppt/slides/slide7.xml><?xml version="1.0" encoding="utf-8"?>
+<p:sld xmlns:a="http://schemas.openxmlformats.org/drawingml/2006/main" xmlns:r="http://schemas.openxmlformats.org/officeDocument/2006/relationships" xmlns:p="http://schemas.openxmlformats.org/presentationml/2006/main">
+  <p:cSld>
+    <p:spTree>
+      <p:nvGrpSpPr>
+        <p:cNvPr id="1" name=""/>
+        <p:cNvGrpSpPr/>
+        <p:nvPr/>
+      </p:nvGrpSpPr>
+      <p:grpSpPr>
+        <a:xfrm>
+          <a:off x="0" y="0"/>
+          <a:ext cx="0" cy="0"/>
+          <a:chOff x="0" y="0"/>
+          <a:chExt cx="0" cy="0"/>
+        </a:xfrm>
+      </p:grpSpPr>
+      <p:sp>
+        <p:nvSpPr>
+          <p:cNvPr id="5" name="內容版面配置區 4"/>
+          <p:cNvSpPr>
+            <a:spLocks noGrp="1"/>
+          </p:cNvSpPr>
+          <p:nvPr>
+            <p:ph idx="1"/>
+          </p:nvPr>
+        </p:nvSpPr>
+        <p:spPr>
+          <a:xfrm>
+            <a:off x="0" y="2084851"/>
+            <a:ext cx="12192000" cy="2404863"/>
+          </a:xfrm>
+        </p:spPr>
+        <p:txBody>
+          <a:bodyPr anchor="ctr">
+            <a:normAutofit/>
+          </a:bodyPr>
+          <a:lstStyle/>
           <a:p>
             <a:pPr algn="ctr">
               <a:buNone/>
             </a:pPr>
             <a:r>
-              <a:rPr lang="zh-CN" altLang="en-US" sz="5400" b="1" dirty="0">
+              <a:rPr lang="zh-CN" altLang="en-US" sz="6400" b="1" dirty="0">
                 <a:solidFill>
                   <a:srgbClr val="000066"/>
                 </a:solidFill>
                 <a:latin typeface="微軟正黑體" pitchFamily="34" charset="-120"/>
                 <a:ea typeface="微軟正黑體" pitchFamily="34" charset="-120"/>
               </a:rPr>
-              <a:t>凡事可能成就  只要相信</a:t>
-            </a:r>
-            <a:endParaRPr lang="en-US" altLang="zh-CN" sz="5400" b="1" dirty="0">
+              <a:t>只要相信  只要相信</a:t>
+            </a:r>
+            <a:endParaRPr lang="en-US" altLang="zh-CN" sz="6400" b="1" dirty="0">
               <a:solidFill>
                 <a:srgbClr val="000066"/>
               </a:solidFill>
@@ -4129,16 +4376,16 @@
               <a:buNone/>
             </a:pPr>
             <a:r>
-              <a:rPr lang="zh-CN" altLang="en-US" sz="5400" b="1" dirty="0">
+              <a:rPr lang="zh-CN" altLang="en-US" sz="6400" b="1" dirty="0">
                 <a:solidFill>
                   <a:srgbClr val="000066"/>
                 </a:solidFill>
                 <a:latin typeface="微軟正黑體" pitchFamily="34" charset="-120"/>
                 <a:ea typeface="微軟正黑體" pitchFamily="34" charset="-120"/>
               </a:rPr>
-              <a:t>只要相信  只要相信</a:t>
-            </a:r>
-            <a:endParaRPr lang="en-US" altLang="zh-CN" sz="5400" b="1" dirty="0">
+              <a:t>凡事可能成就  只要相信</a:t>
+            </a:r>
+            <a:endParaRPr lang="en-US" altLang="zh-CN" sz="6400" b="1" dirty="0">
               <a:solidFill>
                 <a:srgbClr val="000066"/>
               </a:solidFill>
@@ -4146,21 +4393,156 @@
               <a:ea typeface="微軟正黑體" pitchFamily="34" charset="-120"/>
             </a:endParaRPr>
           </a:p>
+        </p:txBody>
+      </p:sp>
+      <p:sp>
+        <p:nvSpPr>
+          <p:cNvPr id="3" name="TextBox 2"/>
+          <p:cNvSpPr txBox="1"/>
+          <p:nvPr/>
+        </p:nvSpPr>
+        <p:spPr>
+          <a:xfrm>
+            <a:off x="0" y="5061182"/>
+            <a:ext cx="12192000" cy="830997"/>
+          </a:xfrm>
+          <a:prstGeom prst="rect">
+            <a:avLst/>
+          </a:prstGeom>
+          <a:noFill/>
+        </p:spPr>
+        <p:txBody>
+          <a:bodyPr wrap="square" rtlCol="0">
+            <a:spAutoFit/>
+          </a:bodyPr>
+          <a:lstStyle/>
+          <a:p>
+            <a:pPr algn="ctr"/>
+            <a:r>
+              <a:rPr lang="en-US" sz="4800" b="1" dirty="0">
+                <a:solidFill>
+                  <a:srgbClr val="000066"/>
+                </a:solidFill>
+              </a:rPr>
+              <a:t>( </a:t>
+            </a:r>
+            <a:r>
+              <a:rPr lang="en-US" sz="4800" b="1" dirty="0" smtClean="0">
+                <a:solidFill>
+                  <a:srgbClr val="000066"/>
+                </a:solidFill>
+              </a:rPr>
+              <a:t>x2 </a:t>
+            </a:r>
+            <a:r>
+              <a:rPr lang="en-US" sz="4800" b="1" dirty="0">
+                <a:solidFill>
+                  <a:srgbClr val="000066"/>
+                </a:solidFill>
+              </a:rPr>
+              <a:t>)</a:t>
+            </a:r>
+            <a:endParaRPr lang="vi-VN" sz="4800" b="1" dirty="0">
+              <a:solidFill>
+                <a:srgbClr val="000066"/>
+              </a:solidFill>
+            </a:endParaRPr>
+          </a:p>
+        </p:txBody>
+      </p:sp>
+    </p:spTree>
+    <p:extLst>
+      <p:ext uri="{BB962C8B-B14F-4D97-AF65-F5344CB8AC3E}">
+        <p14:creationId xmlns:p14="http://schemas.microsoft.com/office/powerpoint/2010/main" val="330530227"/>
+      </p:ext>
+    </p:extLst>
+  </p:cSld>
+  <p:clrMapOvr>
+    <a:masterClrMapping/>
+  </p:clrMapOvr>
+  <p:timing>
+    <p:tnLst>
+      <p:par>
+        <p:cTn id="1" dur="indefinite" restart="never" nodeType="tmRoot"/>
+      </p:par>
+    </p:tnLst>
+  </p:timing>
+</p:sld>
+</file>
+
+<file path=ppt/slides/slide8.xml><?xml version="1.0" encoding="utf-8"?>
+<p:sld xmlns:a="http://schemas.openxmlformats.org/drawingml/2006/main" xmlns:r="http://schemas.openxmlformats.org/officeDocument/2006/relationships" xmlns:p="http://schemas.openxmlformats.org/presentationml/2006/main">
+  <p:cSld>
+    <p:spTree>
+      <p:nvGrpSpPr>
+        <p:cNvPr id="1" name=""/>
+        <p:cNvGrpSpPr/>
+        <p:nvPr/>
+      </p:nvGrpSpPr>
+      <p:grpSpPr>
+        <a:xfrm>
+          <a:off x="0" y="0"/>
+          <a:ext cx="0" cy="0"/>
+          <a:chOff x="0" y="0"/>
+          <a:chExt cx="0" cy="0"/>
+        </a:xfrm>
+      </p:grpSpPr>
+      <p:sp>
+        <p:nvSpPr>
+          <p:cNvPr id="5" name="內容版面配置區 4"/>
+          <p:cNvSpPr>
+            <a:spLocks noGrp="1"/>
+          </p:cNvSpPr>
+          <p:nvPr>
+            <p:ph idx="1"/>
+          </p:nvPr>
+        </p:nvSpPr>
+        <p:spPr>
+          <a:xfrm>
+            <a:off x="0" y="2084851"/>
+            <a:ext cx="12192000" cy="2404863"/>
+          </a:xfrm>
+        </p:spPr>
+        <p:txBody>
+          <a:bodyPr anchor="ctr">
+            <a:normAutofit/>
+          </a:bodyPr>
+          <a:lstStyle/>
           <a:p>
             <a:pPr algn="ctr">
               <a:buNone/>
             </a:pPr>
             <a:r>
-              <a:rPr lang="zh-CN" altLang="en-US" sz="5400" b="1" dirty="0">
+              <a:rPr lang="zh-CN" altLang="en-US" sz="6400" b="1" dirty="0">
                 <a:solidFill>
                   <a:srgbClr val="000066"/>
                 </a:solidFill>
                 <a:latin typeface="微軟正黑體" pitchFamily="34" charset="-120"/>
                 <a:ea typeface="微軟正黑體" pitchFamily="34" charset="-120"/>
               </a:rPr>
-              <a:t>凡事可能成就  只要相信</a:t>
-            </a:r>
-            <a:endParaRPr lang="en-US" altLang="zh-CN" sz="5400" b="1" dirty="0">
+              <a:t>小群不要怕  </a:t>
+            </a:r>
+            <a:r>
+              <a:rPr lang="zh-CN" altLang="en-US" sz="6400" b="1" dirty="0">
+                <a:solidFill>
+                  <a:srgbClr val="000066"/>
+                </a:solidFill>
+                <a:latin typeface="微軟正黑體" pitchFamily="34" charset="-120"/>
+                <a:ea typeface="微軟正黑體" pitchFamily="34" charset="-120"/>
+              </a:rPr>
+              <a:t> 牧</a:t>
+            </a:r>
+            <a:r>
+              <a:rPr lang="zh-CN" altLang="en-US" sz="6400" b="1" dirty="0">
+                <a:solidFill>
+                  <a:srgbClr val="000066"/>
+                </a:solidFill>
+                <a:latin typeface="微軟正黑體" pitchFamily="34" charset="-120"/>
+                <a:ea typeface="微軟正黑體" pitchFamily="34" charset="-120"/>
+              </a:rPr>
+              <a:t>者皆深知</a:t>
+            </a:r>
+            <a:endParaRPr lang="en-US" altLang="zh-CN" sz="6400" b="1" dirty="0">
               <a:solidFill>
                 <a:srgbClr val="000066"/>
               </a:solidFill>
@@ -4168,13 +4550,321 @@
               <a:ea typeface="微軟正黑體" pitchFamily="34" charset="-120"/>
             </a:endParaRPr>
           </a:p>
+          <a:p>
+            <a:pPr algn="ctr">
+              <a:buNone/>
+            </a:pPr>
+            <a:r>
+              <a:rPr lang="zh-CN" altLang="en-US" sz="6400" b="1" dirty="0">
+                <a:solidFill>
+                  <a:srgbClr val="000066"/>
+                </a:solidFill>
+                <a:latin typeface="微軟正黑體" pitchFamily="34" charset="-120"/>
+                <a:ea typeface="微軟正黑體" pitchFamily="34" charset="-120"/>
+              </a:rPr>
+              <a:t>路程或平安  </a:t>
+            </a:r>
+            <a:r>
+              <a:rPr lang="zh-CN" altLang="en-US" sz="6400" b="1" dirty="0">
+                <a:solidFill>
+                  <a:srgbClr val="000066"/>
+                </a:solidFill>
+                <a:latin typeface="微軟正黑體" pitchFamily="34" charset="-120"/>
+                <a:ea typeface="微軟正黑體" pitchFamily="34" charset="-120"/>
+              </a:rPr>
+              <a:t> 愁</a:t>
+            </a:r>
+            <a:r>
+              <a:rPr lang="zh-CN" altLang="en-US" sz="6400" b="1" dirty="0">
+                <a:solidFill>
+                  <a:srgbClr val="000066"/>
+                </a:solidFill>
+                <a:latin typeface="微軟正黑體" pitchFamily="34" charset="-120"/>
+                <a:ea typeface="微軟正黑體" pitchFamily="34" charset="-120"/>
+              </a:rPr>
+              <a:t>苦或貧寒</a:t>
+            </a:r>
+            <a:endParaRPr lang="en-US" altLang="zh-CN" sz="6400" b="1" dirty="0">
+              <a:solidFill>
+                <a:srgbClr val="000066"/>
+              </a:solidFill>
+              <a:latin typeface="微軟正黑體" pitchFamily="34" charset="-120"/>
+              <a:ea typeface="微軟正黑體" pitchFamily="34" charset="-120"/>
+            </a:endParaRPr>
+          </a:p>
+        </p:txBody>
+      </p:sp>
+      <p:sp>
+        <p:nvSpPr>
+          <p:cNvPr id="3" name="TextBox 2"/>
+          <p:cNvSpPr txBox="1"/>
+          <p:nvPr/>
+        </p:nvSpPr>
+        <p:spPr>
+          <a:xfrm>
+            <a:off x="0" y="5061182"/>
+            <a:ext cx="12192000" cy="830997"/>
+          </a:xfrm>
+          <a:prstGeom prst="rect">
+            <a:avLst/>
+          </a:prstGeom>
+          <a:noFill/>
+        </p:spPr>
+        <p:txBody>
+          <a:bodyPr wrap="square" rtlCol="0">
+            <a:spAutoFit/>
+          </a:bodyPr>
+          <a:lstStyle/>
+          <a:p>
+            <a:pPr algn="ctr"/>
+            <a:r>
+              <a:rPr lang="en-US" sz="4800" b="1" dirty="0">
+                <a:solidFill>
+                  <a:srgbClr val="000066"/>
+                </a:solidFill>
+              </a:rPr>
+              <a:t>( </a:t>
+            </a:r>
+            <a:r>
+              <a:rPr lang="en-US" sz="4800" b="1" dirty="0" smtClean="0">
+                <a:solidFill>
+                  <a:srgbClr val="000066"/>
+                </a:solidFill>
+              </a:rPr>
+              <a:t>3 </a:t>
+            </a:r>
+            <a:r>
+              <a:rPr lang="en-US" sz="4800" b="1" dirty="0">
+                <a:solidFill>
+                  <a:srgbClr val="000066"/>
+                </a:solidFill>
+              </a:rPr>
+              <a:t>)</a:t>
+            </a:r>
+            <a:endParaRPr lang="vi-VN" sz="4800" b="1" dirty="0">
+              <a:solidFill>
+                <a:srgbClr val="000066"/>
+              </a:solidFill>
+            </a:endParaRPr>
+          </a:p>
         </p:txBody>
       </p:sp>
     </p:spTree>
+    <p:extLst>
+      <p:ext uri="{BB962C8B-B14F-4D97-AF65-F5344CB8AC3E}">
+        <p14:creationId xmlns:p14="http://schemas.microsoft.com/office/powerpoint/2010/main" val="3008578885"/>
+      </p:ext>
+    </p:extLst>
   </p:cSld>
   <p:clrMapOvr>
     <a:masterClrMapping/>
   </p:clrMapOvr>
+  <p:timing>
+    <p:tnLst>
+      <p:par>
+        <p:cTn id="1" dur="indefinite" restart="never" nodeType="tmRoot"/>
+      </p:par>
+    </p:tnLst>
+  </p:timing>
+</p:sld>
+</file>
+
+<file path=ppt/slides/slide9.xml><?xml version="1.0" encoding="utf-8"?>
+<p:sld xmlns:a="http://schemas.openxmlformats.org/drawingml/2006/main" xmlns:r="http://schemas.openxmlformats.org/officeDocument/2006/relationships" xmlns:p="http://schemas.openxmlformats.org/presentationml/2006/main">
+  <p:cSld>
+    <p:spTree>
+      <p:nvGrpSpPr>
+        <p:cNvPr id="1" name=""/>
+        <p:cNvGrpSpPr/>
+        <p:nvPr/>
+      </p:nvGrpSpPr>
+      <p:grpSpPr>
+        <a:xfrm>
+          <a:off x="0" y="0"/>
+          <a:ext cx="0" cy="0"/>
+          <a:chOff x="0" y="0"/>
+          <a:chExt cx="0" cy="0"/>
+        </a:xfrm>
+      </p:grpSpPr>
+      <p:sp>
+        <p:nvSpPr>
+          <p:cNvPr id="5" name="內容版面配置區 4"/>
+          <p:cNvSpPr>
+            <a:spLocks noGrp="1"/>
+          </p:cNvSpPr>
+          <p:nvPr>
+            <p:ph idx="1"/>
+          </p:nvPr>
+        </p:nvSpPr>
+        <p:spPr>
+          <a:xfrm>
+            <a:off x="0" y="2084851"/>
+            <a:ext cx="12192000" cy="2404863"/>
+          </a:xfrm>
+        </p:spPr>
+        <p:txBody>
+          <a:bodyPr anchor="ctr">
+            <a:normAutofit/>
+          </a:bodyPr>
+          <a:lstStyle/>
+          <a:p>
+            <a:pPr algn="ctr">
+              <a:buNone/>
+            </a:pPr>
+            <a:r>
+              <a:rPr lang="zh-CN" altLang="en-US" sz="6400" b="1" dirty="0">
+                <a:solidFill>
+                  <a:srgbClr val="000066"/>
+                </a:solidFill>
+                <a:latin typeface="微軟正黑體" pitchFamily="34" charset="-120"/>
+                <a:ea typeface="微軟正黑體" pitchFamily="34" charset="-120"/>
+              </a:rPr>
+              <a:t>永遠不離開  </a:t>
+            </a:r>
+            <a:r>
+              <a:rPr lang="zh-CN" altLang="en-US" sz="6400" b="1" dirty="0">
+                <a:solidFill>
+                  <a:srgbClr val="000066"/>
+                </a:solidFill>
+                <a:latin typeface="微軟正黑體" pitchFamily="34" charset="-120"/>
+                <a:ea typeface="微軟正黑體" pitchFamily="34" charset="-120"/>
+              </a:rPr>
+              <a:t> 永</a:t>
+            </a:r>
+            <a:r>
+              <a:rPr lang="zh-CN" altLang="en-US" sz="6400" b="1" dirty="0">
+                <a:solidFill>
+                  <a:srgbClr val="000066"/>
+                </a:solidFill>
+                <a:latin typeface="微軟正黑體" pitchFamily="34" charset="-120"/>
+                <a:ea typeface="微軟正黑體" pitchFamily="34" charset="-120"/>
+              </a:rPr>
+              <a:t>相皆相安</a:t>
+            </a:r>
+            <a:endParaRPr lang="en-US" altLang="zh-CN" sz="6400" b="1" dirty="0">
+              <a:solidFill>
+                <a:srgbClr val="000066"/>
+              </a:solidFill>
+              <a:latin typeface="微軟正黑體" pitchFamily="34" charset="-120"/>
+              <a:ea typeface="微軟正黑體" pitchFamily="34" charset="-120"/>
+            </a:endParaRPr>
+          </a:p>
+          <a:p>
+            <a:pPr algn="ctr">
+              <a:buNone/>
+            </a:pPr>
+            <a:r>
+              <a:rPr lang="zh-CN" altLang="en-US" sz="6400" b="1" dirty="0">
+                <a:solidFill>
+                  <a:srgbClr val="000066"/>
+                </a:solidFill>
+                <a:latin typeface="微軟正黑體" pitchFamily="34" charset="-120"/>
+                <a:ea typeface="微軟正黑體" pitchFamily="34" charset="-120"/>
+              </a:rPr>
+              <a:t>專心倚靠主  </a:t>
+            </a:r>
+            <a:r>
+              <a:rPr lang="zh-CN" altLang="en-US" sz="6400" b="1" dirty="0">
+                <a:solidFill>
+                  <a:srgbClr val="000066"/>
+                </a:solidFill>
+                <a:latin typeface="微軟正黑體" pitchFamily="34" charset="-120"/>
+                <a:ea typeface="微軟正黑體" pitchFamily="34" charset="-120"/>
+              </a:rPr>
+              <a:t> 不</a:t>
+            </a:r>
+            <a:r>
+              <a:rPr lang="zh-CN" altLang="en-US" sz="6400" b="1" dirty="0">
+                <a:solidFill>
+                  <a:srgbClr val="000066"/>
+                </a:solidFill>
+                <a:latin typeface="微軟正黑體" pitchFamily="34" charset="-120"/>
+                <a:ea typeface="微軟正黑體" pitchFamily="34" charset="-120"/>
+              </a:rPr>
+              <a:t>論光明黑暗</a:t>
+            </a:r>
+            <a:endParaRPr lang="zh-TW" altLang="en-US" sz="6400" b="1" dirty="0">
+              <a:solidFill>
+                <a:srgbClr val="000066"/>
+              </a:solidFill>
+              <a:latin typeface="微軟正黑體" pitchFamily="34" charset="-120"/>
+              <a:ea typeface="微軟正黑體" pitchFamily="34" charset="-120"/>
+            </a:endParaRPr>
+          </a:p>
+        </p:txBody>
+      </p:sp>
+      <p:sp>
+        <p:nvSpPr>
+          <p:cNvPr id="3" name="TextBox 2"/>
+          <p:cNvSpPr txBox="1"/>
+          <p:nvPr/>
+        </p:nvSpPr>
+        <p:spPr>
+          <a:xfrm>
+            <a:off x="0" y="5061182"/>
+            <a:ext cx="12192000" cy="830997"/>
+          </a:xfrm>
+          <a:prstGeom prst="rect">
+            <a:avLst/>
+          </a:prstGeom>
+          <a:noFill/>
+        </p:spPr>
+        <p:txBody>
+          <a:bodyPr wrap="square" rtlCol="0">
+            <a:spAutoFit/>
+          </a:bodyPr>
+          <a:lstStyle/>
+          <a:p>
+            <a:pPr algn="ctr"/>
+            <a:r>
+              <a:rPr lang="en-US" sz="4800" b="1" dirty="0">
+                <a:solidFill>
+                  <a:srgbClr val="000066"/>
+                </a:solidFill>
+              </a:rPr>
+              <a:t>( </a:t>
+            </a:r>
+            <a:r>
+              <a:rPr lang="en-US" sz="4800" b="1" dirty="0" smtClean="0">
+                <a:solidFill>
+                  <a:srgbClr val="000066"/>
+                </a:solidFill>
+              </a:rPr>
+              <a:t>3 </a:t>
+            </a:r>
+            <a:r>
+              <a:rPr lang="en-US" sz="4800" b="1" dirty="0">
+                <a:solidFill>
+                  <a:srgbClr val="000066"/>
+                </a:solidFill>
+              </a:rPr>
+              <a:t>)</a:t>
+            </a:r>
+            <a:endParaRPr lang="vi-VN" sz="4800" b="1" dirty="0">
+              <a:solidFill>
+                <a:srgbClr val="000066"/>
+              </a:solidFill>
+            </a:endParaRPr>
+          </a:p>
+        </p:txBody>
+      </p:sp>
+    </p:spTree>
+    <p:extLst>
+      <p:ext uri="{BB962C8B-B14F-4D97-AF65-F5344CB8AC3E}">
+        <p14:creationId xmlns:p14="http://schemas.microsoft.com/office/powerpoint/2010/main" val="2977862434"/>
+      </p:ext>
+    </p:extLst>
+  </p:cSld>
+  <p:clrMapOvr>
+    <a:masterClrMapping/>
+  </p:clrMapOvr>
+  <p:timing>
+    <p:tnLst>
+      <p:par>
+        <p:cTn id="1" dur="indefinite" restart="never" nodeType="tmRoot"/>
+      </p:par>
+    </p:tnLst>
+  </p:timing>
 </p:sld>
 </file>
 

--- a/宣道詩/(宣道詩90)只要相信.pptx
+++ b/宣道詩/(宣道詩90)只要相信.pptx
@@ -313,7 +313,7 @@
           <a:p>
             <a:fld id="{1AAF066B-CAAA-4AF0-8CE1-A7DC182F2BD5}" type="datetimeFigureOut">
               <a:rPr lang="zh-TW" altLang="en-US" smtClean="0"/>
-              <a:t>2021/6/22</a:t>
+              <a:t>2022/4/23</a:t>
             </a:fld>
             <a:endParaRPr lang="zh-TW" altLang="en-US"/>
           </a:p>
@@ -478,7 +478,7 @@
           <a:p>
             <a:fld id="{1AAF066B-CAAA-4AF0-8CE1-A7DC182F2BD5}" type="datetimeFigureOut">
               <a:rPr lang="zh-TW" altLang="en-US" smtClean="0"/>
-              <a:t>2021/6/22</a:t>
+              <a:t>2022/4/23</a:t>
             </a:fld>
             <a:endParaRPr lang="zh-TW" altLang="en-US"/>
           </a:p>
@@ -653,7 +653,7 @@
           <a:p>
             <a:fld id="{1AAF066B-CAAA-4AF0-8CE1-A7DC182F2BD5}" type="datetimeFigureOut">
               <a:rPr lang="zh-TW" altLang="en-US" smtClean="0"/>
-              <a:t>2021/6/22</a:t>
+              <a:t>2022/4/23</a:t>
             </a:fld>
             <a:endParaRPr lang="zh-TW" altLang="en-US"/>
           </a:p>
@@ -818,7 +818,7 @@
           <a:p>
             <a:fld id="{1AAF066B-CAAA-4AF0-8CE1-A7DC182F2BD5}" type="datetimeFigureOut">
               <a:rPr lang="zh-TW" altLang="en-US" smtClean="0"/>
-              <a:t>2021/6/22</a:t>
+              <a:t>2022/4/23</a:t>
             </a:fld>
             <a:endParaRPr lang="zh-TW" altLang="en-US"/>
           </a:p>
@@ -1059,7 +1059,7 @@
           <a:p>
             <a:fld id="{1AAF066B-CAAA-4AF0-8CE1-A7DC182F2BD5}" type="datetimeFigureOut">
               <a:rPr lang="zh-TW" altLang="en-US" smtClean="0"/>
-              <a:t>2021/6/22</a:t>
+              <a:t>2022/4/23</a:t>
             </a:fld>
             <a:endParaRPr lang="zh-TW" altLang="en-US"/>
           </a:p>
@@ -1342,7 +1342,7 @@
           <a:p>
             <a:fld id="{1AAF066B-CAAA-4AF0-8CE1-A7DC182F2BD5}" type="datetimeFigureOut">
               <a:rPr lang="zh-TW" altLang="en-US" smtClean="0"/>
-              <a:t>2021/6/22</a:t>
+              <a:t>2022/4/23</a:t>
             </a:fld>
             <a:endParaRPr lang="zh-TW" altLang="en-US"/>
           </a:p>
@@ -1759,7 +1759,7 @@
           <a:p>
             <a:fld id="{1AAF066B-CAAA-4AF0-8CE1-A7DC182F2BD5}" type="datetimeFigureOut">
               <a:rPr lang="zh-TW" altLang="en-US" smtClean="0"/>
-              <a:t>2021/6/22</a:t>
+              <a:t>2022/4/23</a:t>
             </a:fld>
             <a:endParaRPr lang="zh-TW" altLang="en-US"/>
           </a:p>
@@ -1872,7 +1872,7 @@
           <a:p>
             <a:fld id="{1AAF066B-CAAA-4AF0-8CE1-A7DC182F2BD5}" type="datetimeFigureOut">
               <a:rPr lang="zh-TW" altLang="en-US" smtClean="0"/>
-              <a:t>2021/6/22</a:t>
+              <a:t>2022/4/23</a:t>
             </a:fld>
             <a:endParaRPr lang="zh-TW" altLang="en-US"/>
           </a:p>
@@ -1962,7 +1962,7 @@
           <a:p>
             <a:fld id="{1AAF066B-CAAA-4AF0-8CE1-A7DC182F2BD5}" type="datetimeFigureOut">
               <a:rPr lang="zh-TW" altLang="en-US" smtClean="0"/>
-              <a:t>2021/6/22</a:t>
+              <a:t>2022/4/23</a:t>
             </a:fld>
             <a:endParaRPr lang="zh-TW" altLang="en-US"/>
           </a:p>
@@ -2234,7 +2234,7 @@
           <a:p>
             <a:fld id="{1AAF066B-CAAA-4AF0-8CE1-A7DC182F2BD5}" type="datetimeFigureOut">
               <a:rPr lang="zh-TW" altLang="en-US" smtClean="0"/>
-              <a:t>2021/6/22</a:t>
+              <a:t>2022/4/23</a:t>
             </a:fld>
             <a:endParaRPr lang="zh-TW" altLang="en-US"/>
           </a:p>
@@ -2486,7 +2486,7 @@
           <a:p>
             <a:fld id="{1AAF066B-CAAA-4AF0-8CE1-A7DC182F2BD5}" type="datetimeFigureOut">
               <a:rPr lang="zh-TW" altLang="en-US" smtClean="0"/>
-              <a:t>2021/6/22</a:t>
+              <a:t>2022/4/23</a:t>
             </a:fld>
             <a:endParaRPr lang="zh-TW" altLang="en-US"/>
           </a:p>
@@ -2699,7 +2699,7 @@
           <a:p>
             <a:fld id="{1AAF066B-CAAA-4AF0-8CE1-A7DC182F2BD5}" type="datetimeFigureOut">
               <a:rPr lang="zh-TW" altLang="en-US" smtClean="0"/>
-              <a:t>2021/6/22</a:t>
+              <a:t>2022/4/23</a:t>
             </a:fld>
             <a:endParaRPr lang="zh-TW" altLang="en-US"/>
           </a:p>
@@ -3541,7 +3541,23 @@
                   <a:srgbClr val="000066"/>
                 </a:solidFill>
               </a:rPr>
-              <a:t>( 1 )</a:t>
+              <a:t>( </a:t>
+            </a:r>
+            <a:r>
+              <a:rPr lang="en-US" sz="4800" b="1" dirty="0" smtClean="0">
+                <a:solidFill>
+                  <a:srgbClr val="000066"/>
+                </a:solidFill>
+              </a:rPr>
+              <a:t>1 / 3 </a:t>
+            </a:r>
+            <a:r>
+              <a:rPr lang="en-US" sz="4800" b="1" dirty="0">
+                <a:solidFill>
+                  <a:srgbClr val="000066"/>
+                </a:solidFill>
+              </a:rPr>
+              <a:t>)</a:t>
             </a:r>
             <a:endParaRPr lang="vi-VN" sz="4800" b="1" dirty="0">
               <a:solidFill>
@@ -3621,27 +3637,7 @@
                 <a:latin typeface="微軟正黑體" pitchFamily="34" charset="-120"/>
                 <a:ea typeface="微軟正黑體" pitchFamily="34" charset="-120"/>
               </a:rPr>
-              <a:t>天地諸權勢  </a:t>
-            </a:r>
-            <a:r>
-              <a:rPr lang="zh-CN" altLang="en-US" sz="6400" b="1" dirty="0">
-                <a:solidFill>
-                  <a:srgbClr val="000066"/>
-                </a:solidFill>
-                <a:latin typeface="微軟正黑體" pitchFamily="34" charset="-120"/>
-                <a:ea typeface="微軟正黑體" pitchFamily="34" charset="-120"/>
-              </a:rPr>
-              <a:t> 在</a:t>
-            </a:r>
-            <a:r>
-              <a:rPr lang="zh-CN" altLang="en-US" sz="6400" b="1" dirty="0">
-                <a:solidFill>
-                  <a:srgbClr val="000066"/>
-                </a:solidFill>
-                <a:latin typeface="微軟正黑體" pitchFamily="34" charset="-120"/>
-                <a:ea typeface="微軟正黑體" pitchFamily="34" charset="-120"/>
-              </a:rPr>
-              <a:t>主手執掌</a:t>
+              <a:t>天地諸權勢   在主手執掌</a:t>
             </a:r>
             <a:endParaRPr lang="en-US" altLang="zh-CN" sz="6400" b="1" dirty="0">
               <a:solidFill>
@@ -3663,27 +3659,7 @@
                 <a:latin typeface="微軟正黑體" pitchFamily="34" charset="-120"/>
                 <a:ea typeface="微軟正黑體" pitchFamily="34" charset="-120"/>
               </a:rPr>
-              <a:t>一切已預備  </a:t>
-            </a:r>
-            <a:r>
-              <a:rPr lang="zh-CN" altLang="en-US" sz="6400" b="1" dirty="0">
-                <a:solidFill>
-                  <a:srgbClr val="000066"/>
-                </a:solidFill>
-                <a:latin typeface="微軟正黑體" pitchFamily="34" charset="-120"/>
-                <a:ea typeface="微軟正黑體" pitchFamily="34" charset="-120"/>
-              </a:rPr>
-              <a:t> 為</a:t>
-            </a:r>
-            <a:r>
-              <a:rPr lang="zh-CN" altLang="en-US" sz="6400" b="1" dirty="0">
-                <a:solidFill>
-                  <a:srgbClr val="000066"/>
-                </a:solidFill>
-                <a:latin typeface="微軟正黑體" pitchFamily="34" charset="-120"/>
-                <a:ea typeface="微軟正黑體" pitchFamily="34" charset="-120"/>
-              </a:rPr>
-              <a:t>主所愛群羊</a:t>
+              <a:t>一切已預備   為主所愛群羊</a:t>
             </a:r>
             <a:endParaRPr lang="zh-TW" altLang="en-US" sz="6400" b="1" dirty="0">
               <a:solidFill>
@@ -3724,7 +3700,7 @@
                   <a:srgbClr val="000066"/>
                 </a:solidFill>
               </a:rPr>
-              <a:t>( 1 )</a:t>
+              <a:t>( 1 / 3 )</a:t>
             </a:r>
             <a:endParaRPr lang="vi-VN" sz="4800" b="1" dirty="0">
               <a:solidFill>
@@ -4082,7 +4058,7 @@
                   <a:srgbClr val="000066"/>
                 </a:solidFill>
               </a:rPr>
-              <a:t>)</a:t>
+              <a:t>/ 3 )</a:t>
             </a:r>
             <a:endParaRPr lang="vi-VN" sz="4800" b="1" dirty="0">
               <a:solidFill>
@@ -4162,27 +4138,7 @@
                 <a:latin typeface="微軟正黑體" pitchFamily="34" charset="-120"/>
                 <a:ea typeface="微軟正黑體" pitchFamily="34" charset="-120"/>
               </a:rPr>
-              <a:t>生死諸苦味  </a:t>
-            </a:r>
-            <a:r>
-              <a:rPr lang="zh-CN" altLang="en-US" sz="6400" b="1" dirty="0">
-                <a:solidFill>
-                  <a:srgbClr val="000066"/>
-                </a:solidFill>
-                <a:latin typeface="微軟正黑體" pitchFamily="34" charset="-120"/>
-                <a:ea typeface="微軟正黑體" pitchFamily="34" charset="-120"/>
-              </a:rPr>
-              <a:t> 主</a:t>
-            </a:r>
-            <a:r>
-              <a:rPr lang="zh-CN" altLang="en-US" sz="6400" b="1" dirty="0">
-                <a:solidFill>
-                  <a:srgbClr val="000066"/>
-                </a:solidFill>
-                <a:latin typeface="微軟正黑體" pitchFamily="34" charset="-120"/>
-                <a:ea typeface="微軟正黑體" pitchFamily="34" charset="-120"/>
-              </a:rPr>
-              <a:t>經已嘗試</a:t>
+              <a:t>生死諸苦味   主經已嘗試</a:t>
             </a:r>
             <a:endParaRPr lang="en-US" altLang="zh-CN" sz="6400" b="1" dirty="0">
               <a:solidFill>
@@ -4204,27 +4160,7 @@
                 <a:latin typeface="微軟正黑體" pitchFamily="34" charset="-120"/>
                 <a:ea typeface="微軟正黑體" pitchFamily="34" charset="-120"/>
               </a:rPr>
-              <a:t>因主捨己身  </a:t>
-            </a:r>
-            <a:r>
-              <a:rPr lang="zh-CN" altLang="en-US" sz="6400" b="1" dirty="0">
-                <a:solidFill>
-                  <a:srgbClr val="000066"/>
-                </a:solidFill>
-                <a:latin typeface="微軟正黑體" pitchFamily="34" charset="-120"/>
-                <a:ea typeface="微軟正黑體" pitchFamily="34" charset="-120"/>
-              </a:rPr>
-              <a:t> 十</a:t>
-            </a:r>
-            <a:r>
-              <a:rPr lang="zh-CN" altLang="en-US" sz="6400" b="1" dirty="0">
-                <a:solidFill>
-                  <a:srgbClr val="000066"/>
-                </a:solidFill>
-                <a:latin typeface="微軟正黑體" pitchFamily="34" charset="-120"/>
-                <a:ea typeface="微軟正黑體" pitchFamily="34" charset="-120"/>
-              </a:rPr>
-              <a:t>字架上受死</a:t>
+              <a:t>因主捨己身   十字架上受死</a:t>
             </a:r>
             <a:endParaRPr lang="zh-TW" altLang="en-US" sz="6400" b="1" dirty="0">
               <a:solidFill>
@@ -4265,23 +4201,7 @@
                   <a:srgbClr val="000066"/>
                 </a:solidFill>
               </a:rPr>
-              <a:t>( </a:t>
-            </a:r>
-            <a:r>
-              <a:rPr lang="en-US" sz="4800" b="1" dirty="0" smtClean="0">
-                <a:solidFill>
-                  <a:srgbClr val="000066"/>
-                </a:solidFill>
-              </a:rPr>
-              <a:t>2 </a:t>
-            </a:r>
-            <a:r>
-              <a:rPr lang="en-US" sz="4800" b="1" dirty="0">
-                <a:solidFill>
-                  <a:srgbClr val="000066"/>
-                </a:solidFill>
-              </a:rPr>
-              <a:t>)</a:t>
+              <a:t>( 2 / 3 )</a:t>
             </a:r>
             <a:endParaRPr lang="vi-VN" sz="4800" b="1" dirty="0">
               <a:solidFill>
@@ -4520,27 +4440,7 @@
                 <a:latin typeface="微軟正黑體" pitchFamily="34" charset="-120"/>
                 <a:ea typeface="微軟正黑體" pitchFamily="34" charset="-120"/>
               </a:rPr>
-              <a:t>小群不要怕  </a:t>
-            </a:r>
-            <a:r>
-              <a:rPr lang="zh-CN" altLang="en-US" sz="6400" b="1" dirty="0">
-                <a:solidFill>
-                  <a:srgbClr val="000066"/>
-                </a:solidFill>
-                <a:latin typeface="微軟正黑體" pitchFamily="34" charset="-120"/>
-                <a:ea typeface="微軟正黑體" pitchFamily="34" charset="-120"/>
-              </a:rPr>
-              <a:t> 牧</a:t>
-            </a:r>
-            <a:r>
-              <a:rPr lang="zh-CN" altLang="en-US" sz="6400" b="1" dirty="0">
-                <a:solidFill>
-                  <a:srgbClr val="000066"/>
-                </a:solidFill>
-                <a:latin typeface="微軟正黑體" pitchFamily="34" charset="-120"/>
-                <a:ea typeface="微軟正黑體" pitchFamily="34" charset="-120"/>
-              </a:rPr>
-              <a:t>者皆深知</a:t>
+              <a:t>小群不要怕   牧者皆深知</a:t>
             </a:r>
             <a:endParaRPr lang="en-US" altLang="zh-CN" sz="6400" b="1" dirty="0">
               <a:solidFill>
@@ -4562,27 +4462,7 @@
                 <a:latin typeface="微軟正黑體" pitchFamily="34" charset="-120"/>
                 <a:ea typeface="微軟正黑體" pitchFamily="34" charset="-120"/>
               </a:rPr>
-              <a:t>路程或平安  </a:t>
-            </a:r>
-            <a:r>
-              <a:rPr lang="zh-CN" altLang="en-US" sz="6400" b="1" dirty="0">
-                <a:solidFill>
-                  <a:srgbClr val="000066"/>
-                </a:solidFill>
-                <a:latin typeface="微軟正黑體" pitchFamily="34" charset="-120"/>
-                <a:ea typeface="微軟正黑體" pitchFamily="34" charset="-120"/>
-              </a:rPr>
-              <a:t> 愁</a:t>
-            </a:r>
-            <a:r>
-              <a:rPr lang="zh-CN" altLang="en-US" sz="6400" b="1" dirty="0">
-                <a:solidFill>
-                  <a:srgbClr val="000066"/>
-                </a:solidFill>
-                <a:latin typeface="微軟正黑體" pitchFamily="34" charset="-120"/>
-                <a:ea typeface="微軟正黑體" pitchFamily="34" charset="-120"/>
-              </a:rPr>
-              <a:t>苦或貧寒</a:t>
+              <a:t>路程或平安   愁苦或貧寒</a:t>
             </a:r>
             <a:endParaRPr lang="en-US" altLang="zh-CN" sz="6400" b="1" dirty="0">
               <a:solidFill>
@@ -4639,7 +4519,7 @@
                   <a:srgbClr val="000066"/>
                 </a:solidFill>
               </a:rPr>
-              <a:t>)</a:t>
+              <a:t>/ 3 )</a:t>
             </a:r>
             <a:endParaRPr lang="vi-VN" sz="4800" b="1" dirty="0">
               <a:solidFill>
@@ -4719,27 +4599,7 @@
                 <a:latin typeface="微軟正黑體" pitchFamily="34" charset="-120"/>
                 <a:ea typeface="微軟正黑體" pitchFamily="34" charset="-120"/>
               </a:rPr>
-              <a:t>永遠不離開  </a:t>
-            </a:r>
-            <a:r>
-              <a:rPr lang="zh-CN" altLang="en-US" sz="6400" b="1" dirty="0">
-                <a:solidFill>
-                  <a:srgbClr val="000066"/>
-                </a:solidFill>
-                <a:latin typeface="微軟正黑體" pitchFamily="34" charset="-120"/>
-                <a:ea typeface="微軟正黑體" pitchFamily="34" charset="-120"/>
-              </a:rPr>
-              <a:t> 永</a:t>
-            </a:r>
-            <a:r>
-              <a:rPr lang="zh-CN" altLang="en-US" sz="6400" b="1" dirty="0">
-                <a:solidFill>
-                  <a:srgbClr val="000066"/>
-                </a:solidFill>
-                <a:latin typeface="微軟正黑體" pitchFamily="34" charset="-120"/>
-                <a:ea typeface="微軟正黑體" pitchFamily="34" charset="-120"/>
-              </a:rPr>
-              <a:t>相皆相安</a:t>
+              <a:t>永遠不離開   永相皆相安</a:t>
             </a:r>
             <a:endParaRPr lang="en-US" altLang="zh-CN" sz="6400" b="1" dirty="0">
               <a:solidFill>
@@ -4761,27 +4621,7 @@
                 <a:latin typeface="微軟正黑體" pitchFamily="34" charset="-120"/>
                 <a:ea typeface="微軟正黑體" pitchFamily="34" charset="-120"/>
               </a:rPr>
-              <a:t>專心倚靠主  </a:t>
-            </a:r>
-            <a:r>
-              <a:rPr lang="zh-CN" altLang="en-US" sz="6400" b="1" dirty="0">
-                <a:solidFill>
-                  <a:srgbClr val="000066"/>
-                </a:solidFill>
-                <a:latin typeface="微軟正黑體" pitchFamily="34" charset="-120"/>
-                <a:ea typeface="微軟正黑體" pitchFamily="34" charset="-120"/>
-              </a:rPr>
-              <a:t> 不</a:t>
-            </a:r>
-            <a:r>
-              <a:rPr lang="zh-CN" altLang="en-US" sz="6400" b="1" dirty="0">
-                <a:solidFill>
-                  <a:srgbClr val="000066"/>
-                </a:solidFill>
-                <a:latin typeface="微軟正黑體" pitchFamily="34" charset="-120"/>
-                <a:ea typeface="微軟正黑體" pitchFamily="34" charset="-120"/>
-              </a:rPr>
-              <a:t>論光明黑暗</a:t>
+              <a:t>專心倚靠主   不論光明黑暗</a:t>
             </a:r>
             <a:endParaRPr lang="zh-TW" altLang="en-US" sz="6400" b="1" dirty="0">
               <a:solidFill>
@@ -4817,28 +4657,12 @@
           <a:p>
             <a:pPr algn="ctr"/>
             <a:r>
-              <a:rPr lang="en-US" sz="4800" b="1" dirty="0">
+              <a:rPr lang="en-US" sz="4800" b="1">
                 <a:solidFill>
                   <a:srgbClr val="000066"/>
                 </a:solidFill>
               </a:rPr>
-              <a:t>( </a:t>
-            </a:r>
-            <a:r>
-              <a:rPr lang="en-US" sz="4800" b="1" dirty="0" smtClean="0">
-                <a:solidFill>
-                  <a:srgbClr val="000066"/>
-                </a:solidFill>
-              </a:rPr>
-              <a:t>3 </a:t>
-            </a:r>
-            <a:r>
-              <a:rPr lang="en-US" sz="4800" b="1" dirty="0">
-                <a:solidFill>
-                  <a:srgbClr val="000066"/>
-                </a:solidFill>
-              </a:rPr>
-              <a:t>)</a:t>
+              <a:t>( 3 / 3 )</a:t>
             </a:r>
             <a:endParaRPr lang="vi-VN" sz="4800" b="1" dirty="0">
               <a:solidFill>
